--- a/comp9323-presentation.pptx
+++ b/comp9323-presentation.pptx
@@ -1,6 +1,6 @@
 
 <file path=ppt/presentation.xml><?xml version="1.0" encoding="utf-8"?>
-<p:presentation xmlns:a="http://schemas.openxmlformats.org/drawingml/2006/main" xmlns:r="http://schemas.openxmlformats.org/officeDocument/2006/relationships" xmlns:p="http://schemas.openxmlformats.org/presentationml/2006/main" strictFirstAndLastChars="0" embedTrueTypeFonts="1" saveSubsetFonts="1" autoCompressPictures="0">
+<p:presentation xmlns:a="http://schemas.openxmlformats.org/drawingml/2006/main" xmlns:r="http://schemas.openxmlformats.org/officeDocument/2006/relationships" xmlns:p="http://schemas.openxmlformats.org/presentationml/2006/main" strictFirstAndLastChars="0" saveSubsetFonts="1" autoCompressPictures="0">
   <p:sldMasterIdLst>
     <p:sldMasterId id="2147483666" r:id="rId1"/>
   </p:sldMasterIdLst>
@@ -19,22 +19,6 @@
   </p:sldIdLst>
   <p:sldSz cx="12192000" cy="6858000"/>
   <p:notesSz cx="6858000" cy="9144000"/>
-  <p:embeddedFontLst>
-    <p:embeddedFont>
-      <p:font typeface="Calibri" panose="020F0502020204030204" pitchFamily="34" charset="0"/>
-      <p:regular r:id="rId11"/>
-      <p:bold r:id="rId12"/>
-      <p:italic r:id="rId13"/>
-      <p:boldItalic r:id="rId14"/>
-    </p:embeddedFont>
-    <p:embeddedFont>
-      <p:font typeface="Nunito" panose="020B0604020202020204" charset="0"/>
-      <p:regular r:id="rId15"/>
-      <p:bold r:id="rId16"/>
-      <p:italic r:id="rId17"/>
-      <p:boldItalic r:id="rId18"/>
-    </p:embeddedFont>
-  </p:embeddedFontLst>
   <p:defaultTextStyle>
     <a:defPPr marR="0" lvl="0" algn="l" rtl="0">
       <a:lnSpc>
@@ -237,6 +221,11 @@
       </a:defRPr>
     </a:lvl9pPr>
   </p:defaultTextStyle>
+  <p:extLst>
+    <p:ext uri="{EFAFB233-063F-42B5-8137-9DF3F51BA10A}">
+      <p15:sldGuideLst xmlns:p15="http://schemas.microsoft.com/office/powerpoint/2012/main"/>
+    </p:ext>
+  </p:extLst>
 </p:presentation>
 </file>
 
@@ -15432,8 +15421,8 @@
         </p:nvSpPr>
         <p:spPr>
           <a:xfrm>
-            <a:off x="432650" y="1823275"/>
-            <a:ext cx="5874300" cy="3871800"/>
+            <a:off x="432650" y="1469204"/>
+            <a:ext cx="5874300" cy="4225871"/>
           </a:xfrm>
           <a:prstGeom prst="roundRect">
             <a:avLst>
@@ -15454,18 +15443,12 @@
           </a:ln>
         </p:spPr>
         <p:txBody>
-          <a:bodyPr wrap="square" lIns="91425" tIns="91425" rIns="91425" bIns="91425" anchor="ctr" anchorCtr="0">
+          <a:bodyPr wrap="square" lIns="91425" tIns="91425" rIns="91425" bIns="91425" numCol="2" anchor="t" anchorCtr="0">
             <a:noAutofit/>
           </a:bodyPr>
           <a:lstStyle/>
           <a:p>
-            <a:pPr marL="457200" lvl="0" indent="-336550" rtl="0">
-              <a:lnSpc>
-                <a:spcPct val="115000"/>
-              </a:lnSpc>
-              <a:spcBef>
-                <a:spcPts val="0"/>
-              </a:spcBef>
+            <a:pPr marL="292100" lvl="0" indent="-171450">
               <a:spcAft>
                 <a:spcPts val="2100"/>
               </a:spcAft>
@@ -15473,15 +15456,15 @@
                 <a:schemeClr val="dk2"/>
               </a:buClr>
               <a:buSzPct val="100000"/>
-              <a:buFont typeface="Calibri"/>
-              <a:buChar char="●"/>
+              <a:buFont typeface="Arial" charset="0"/>
+              <a:buChar char="•"/>
             </a:pPr>
             <a:r>
-              <a:rPr lang="en-US" sz="1700">
+              <a:rPr lang="en-US" sz="1200" dirty="0">
                 <a:solidFill>
                   <a:schemeClr val="dk2"/>
                 </a:solidFill>
-                <a:latin typeface="Calibri"/>
+                <a:latin typeface="+mn-lt"/>
                 <a:ea typeface="Calibri"/>
                 <a:cs typeface="Calibri"/>
                 <a:sym typeface="Calibri"/>
@@ -15490,13 +15473,7 @@
             </a:r>
           </a:p>
           <a:p>
-            <a:pPr marL="914400" lvl="1" indent="-323850" rtl="0">
-              <a:lnSpc>
-                <a:spcPct val="115000"/>
-              </a:lnSpc>
-              <a:spcBef>
-                <a:spcPts val="0"/>
-              </a:spcBef>
+            <a:pPr marL="762000" lvl="1" indent="-171450">
               <a:spcAft>
                 <a:spcPts val="2100"/>
               </a:spcAft>
@@ -15504,15 +15481,15 @@
                 <a:schemeClr val="dk2"/>
               </a:buClr>
               <a:buSzPct val="100000"/>
-              <a:buFont typeface="Calibri"/>
-              <a:buChar char="○"/>
+              <a:buFont typeface="Arial" charset="0"/>
+              <a:buChar char="•"/>
             </a:pPr>
             <a:r>
-              <a:rPr lang="en-US" sz="1500">
+              <a:rPr lang="en-US" sz="1200" dirty="0">
                 <a:solidFill>
                   <a:schemeClr val="dk2"/>
                 </a:solidFill>
-                <a:latin typeface="Calibri"/>
+                <a:latin typeface="+mn-lt"/>
                 <a:ea typeface="Calibri"/>
                 <a:cs typeface="Calibri"/>
                 <a:sym typeface="Calibri"/>
@@ -15521,13 +15498,7 @@
             </a:r>
           </a:p>
           <a:p>
-            <a:pPr marL="457200" lvl="0" indent="-336550" rtl="0">
-              <a:lnSpc>
-                <a:spcPct val="115000"/>
-              </a:lnSpc>
-              <a:spcBef>
-                <a:spcPts val="0"/>
-              </a:spcBef>
+            <a:pPr marL="292100" lvl="0" indent="-171450">
               <a:spcAft>
                 <a:spcPts val="2100"/>
               </a:spcAft>
@@ -15535,15 +15506,15 @@
                 <a:schemeClr val="dk2"/>
               </a:buClr>
               <a:buSzPct val="100000"/>
-              <a:buFont typeface="Calibri"/>
-              <a:buChar char="●"/>
+              <a:buFont typeface="Arial" charset="0"/>
+              <a:buChar char="•"/>
             </a:pPr>
             <a:r>
-              <a:rPr lang="en-US" sz="1700">
+              <a:rPr lang="en-US" sz="1200" dirty="0">
                 <a:solidFill>
                   <a:schemeClr val="dk2"/>
                 </a:solidFill>
-                <a:latin typeface="Calibri"/>
+                <a:latin typeface="+mn-lt"/>
                 <a:ea typeface="Calibri"/>
                 <a:cs typeface="Calibri"/>
                 <a:sym typeface="Calibri"/>
@@ -15552,13 +15523,7 @@
             </a:r>
           </a:p>
           <a:p>
-            <a:pPr marL="914400" lvl="1" indent="-323850" rtl="0">
-              <a:lnSpc>
-                <a:spcPct val="115000"/>
-              </a:lnSpc>
-              <a:spcBef>
-                <a:spcPts val="0"/>
-              </a:spcBef>
+            <a:pPr marL="762000" lvl="1" indent="-171450">
               <a:spcAft>
                 <a:spcPts val="2100"/>
               </a:spcAft>
@@ -15566,15 +15531,15 @@
                 <a:schemeClr val="dk2"/>
               </a:buClr>
               <a:buSzPct val="100000"/>
-              <a:buFont typeface="Calibri"/>
-              <a:buChar char="○"/>
+              <a:buFont typeface="Arial" charset="0"/>
+              <a:buChar char="•"/>
             </a:pPr>
             <a:r>
-              <a:rPr lang="en-US" sz="1500">
+              <a:rPr lang="en-US" sz="1200" dirty="0">
                 <a:solidFill>
                   <a:schemeClr val="dk2"/>
                 </a:solidFill>
-                <a:latin typeface="Calibri"/>
+                <a:latin typeface="+mn-lt"/>
                 <a:ea typeface="Calibri"/>
                 <a:cs typeface="Calibri"/>
                 <a:sym typeface="Calibri"/>
@@ -15583,13 +15548,7 @@
             </a:r>
           </a:p>
           <a:p>
-            <a:pPr marL="914400" lvl="1" indent="-323850" rtl="0">
-              <a:lnSpc>
-                <a:spcPct val="115000"/>
-              </a:lnSpc>
-              <a:spcBef>
-                <a:spcPts val="0"/>
-              </a:spcBef>
+            <a:pPr marL="762000" lvl="1" indent="-171450">
               <a:spcAft>
                 <a:spcPts val="2100"/>
               </a:spcAft>
@@ -15597,15 +15556,15 @@
                 <a:schemeClr val="dk2"/>
               </a:buClr>
               <a:buSzPct val="100000"/>
-              <a:buFont typeface="Calibri"/>
-              <a:buChar char="○"/>
+              <a:buFont typeface="Arial" charset="0"/>
+              <a:buChar char="•"/>
             </a:pPr>
             <a:r>
-              <a:rPr lang="en-US" sz="1500">
+              <a:rPr lang="en-US" sz="1200" dirty="0">
                 <a:solidFill>
                   <a:schemeClr val="dk2"/>
                 </a:solidFill>
-                <a:latin typeface="Calibri"/>
+                <a:latin typeface="+mn-lt"/>
                 <a:ea typeface="Calibri"/>
                 <a:cs typeface="Calibri"/>
                 <a:sym typeface="Calibri"/>
@@ -15614,13 +15573,7 @@
             </a:r>
           </a:p>
           <a:p>
-            <a:pPr marL="914400" lvl="1" indent="-323850" rtl="0">
-              <a:lnSpc>
-                <a:spcPct val="115000"/>
-              </a:lnSpc>
-              <a:spcBef>
-                <a:spcPts val="0"/>
-              </a:spcBef>
+            <a:pPr marL="762000" lvl="1" indent="-171450">
               <a:spcAft>
                 <a:spcPts val="2100"/>
               </a:spcAft>
@@ -15628,15 +15581,15 @@
                 <a:schemeClr val="dk2"/>
               </a:buClr>
               <a:buSzPct val="100000"/>
-              <a:buFont typeface="Calibri"/>
-              <a:buChar char="○"/>
+              <a:buFont typeface="Arial" charset="0"/>
+              <a:buChar char="•"/>
             </a:pPr>
             <a:r>
-              <a:rPr lang="en-US" sz="1500">
+              <a:rPr lang="en-US" sz="1200" dirty="0">
                 <a:solidFill>
                   <a:schemeClr val="dk2"/>
                 </a:solidFill>
-                <a:latin typeface="Calibri"/>
+                <a:latin typeface="+mn-lt"/>
                 <a:ea typeface="Calibri"/>
                 <a:cs typeface="Calibri"/>
                 <a:sym typeface="Calibri"/>
@@ -15645,13 +15598,7 @@
             </a:r>
           </a:p>
           <a:p>
-            <a:pPr marL="457200" lvl="0" indent="-336550" rtl="0">
-              <a:lnSpc>
-                <a:spcPct val="115000"/>
-              </a:lnSpc>
-              <a:spcBef>
-                <a:spcPts val="0"/>
-              </a:spcBef>
+            <a:pPr marL="292100" lvl="0" indent="-171450">
               <a:spcAft>
                 <a:spcPts val="2100"/>
               </a:spcAft>
@@ -15659,15 +15606,15 @@
                 <a:schemeClr val="dk2"/>
               </a:buClr>
               <a:buSzPct val="100000"/>
-              <a:buFont typeface="Calibri"/>
-              <a:buChar char="●"/>
+              <a:buFont typeface="Arial" charset="0"/>
+              <a:buChar char="•"/>
             </a:pPr>
             <a:r>
-              <a:rPr lang="en-US" sz="1700">
+              <a:rPr lang="en-US" sz="1200" dirty="0">
                 <a:solidFill>
                   <a:schemeClr val="dk2"/>
                 </a:solidFill>
-                <a:latin typeface="Calibri"/>
+                <a:latin typeface="+mn-lt"/>
                 <a:ea typeface="Calibri"/>
                 <a:cs typeface="Calibri"/>
                 <a:sym typeface="Calibri"/>
@@ -15676,13 +15623,7 @@
             </a:r>
           </a:p>
           <a:p>
-            <a:pPr marL="914400" lvl="1" indent="-323850" rtl="0">
-              <a:lnSpc>
-                <a:spcPct val="115000"/>
-              </a:lnSpc>
-              <a:spcBef>
-                <a:spcPts val="0"/>
-              </a:spcBef>
+            <a:pPr marL="762000" lvl="1" indent="-171450">
               <a:spcAft>
                 <a:spcPts val="2100"/>
               </a:spcAft>
@@ -15690,15 +15631,15 @@
                 <a:schemeClr val="dk2"/>
               </a:buClr>
               <a:buSzPct val="100000"/>
-              <a:buFont typeface="Calibri"/>
-              <a:buChar char="○"/>
+              <a:buFont typeface="Arial" charset="0"/>
+              <a:buChar char="•"/>
             </a:pPr>
             <a:r>
-              <a:rPr lang="en-US" sz="1500">
+              <a:rPr lang="en-US" sz="1200" dirty="0">
                 <a:solidFill>
                   <a:schemeClr val="dk2"/>
                 </a:solidFill>
-                <a:latin typeface="Calibri"/>
+                <a:latin typeface="+mn-lt"/>
                 <a:ea typeface="Calibri"/>
                 <a:cs typeface="Calibri"/>
                 <a:sym typeface="Calibri"/>
@@ -15707,13 +15648,7 @@
             </a:r>
           </a:p>
           <a:p>
-            <a:pPr marL="914400" lvl="1" indent="-323850" rtl="0">
-              <a:lnSpc>
-                <a:spcPct val="115000"/>
-              </a:lnSpc>
-              <a:spcBef>
-                <a:spcPts val="0"/>
-              </a:spcBef>
+            <a:pPr marL="762000" lvl="1" indent="-171450">
               <a:spcAft>
                 <a:spcPts val="2100"/>
               </a:spcAft>
@@ -15721,15 +15656,15 @@
                 <a:schemeClr val="dk2"/>
               </a:buClr>
               <a:buSzPct val="100000"/>
-              <a:buFont typeface="Calibri"/>
-              <a:buChar char="○"/>
+              <a:buFont typeface="Arial" charset="0"/>
+              <a:buChar char="•"/>
             </a:pPr>
             <a:r>
-              <a:rPr lang="en-US" sz="1500">
+              <a:rPr lang="en-US" sz="1200" dirty="0">
                 <a:solidFill>
                   <a:schemeClr val="dk2"/>
                 </a:solidFill>
-                <a:latin typeface="Calibri"/>
+                <a:latin typeface="+mn-lt"/>
                 <a:ea typeface="Calibri"/>
                 <a:cs typeface="Calibri"/>
                 <a:sym typeface="Calibri"/>
@@ -15738,13 +15673,7 @@
             </a:r>
           </a:p>
           <a:p>
-            <a:pPr marL="457200" lvl="0" indent="-336550" rtl="0">
-              <a:lnSpc>
-                <a:spcPct val="115000"/>
-              </a:lnSpc>
-              <a:spcBef>
-                <a:spcPts val="0"/>
-              </a:spcBef>
+            <a:pPr marL="292100" lvl="0" indent="-171450">
               <a:spcAft>
                 <a:spcPts val="2100"/>
               </a:spcAft>
@@ -15752,30 +15681,48 @@
                 <a:schemeClr val="dk2"/>
               </a:buClr>
               <a:buSzPct val="100000"/>
-              <a:buFont typeface="Calibri"/>
-              <a:buChar char="●"/>
+              <a:buFont typeface="Arial" charset="0"/>
+              <a:buChar char="•"/>
             </a:pPr>
             <a:r>
-              <a:rPr lang="en-US" sz="1700">
+              <a:rPr lang="en-US" sz="1200" dirty="0">
                 <a:solidFill>
                   <a:schemeClr val="dk2"/>
                 </a:solidFill>
-                <a:latin typeface="Calibri"/>
+                <a:latin typeface="+mn-lt"/>
                 <a:ea typeface="Calibri"/>
                 <a:cs typeface="Calibri"/>
                 <a:sym typeface="Calibri"/>
               </a:rPr>
-              <a:t>Requirements &amp; Specialisation:</a:t>
+              <a:t>Requirements &amp; </a:t>
             </a:r>
-          </a:p>
-          <a:p>
-            <a:pPr marL="914400" lvl="1" indent="-323850" rtl="0">
-              <a:lnSpc>
-                <a:spcPct val="115000"/>
-              </a:lnSpc>
-              <a:spcBef>
-                <a:spcPts val="0"/>
-              </a:spcBef>
+            <a:r>
+              <a:rPr lang="en-US" sz="1200" dirty="0" err="1">
+                <a:solidFill>
+                  <a:schemeClr val="dk2"/>
+                </a:solidFill>
+                <a:latin typeface="+mn-lt"/>
+                <a:ea typeface="Calibri"/>
+                <a:cs typeface="Calibri"/>
+                <a:sym typeface="Calibri"/>
+              </a:rPr>
+              <a:t>Specialisation</a:t>
+            </a:r>
+            <a:r>
+              <a:rPr lang="en-US" sz="1200" dirty="0">
+                <a:solidFill>
+                  <a:schemeClr val="dk2"/>
+                </a:solidFill>
+                <a:latin typeface="+mn-lt"/>
+                <a:ea typeface="Calibri"/>
+                <a:cs typeface="Calibri"/>
+                <a:sym typeface="Calibri"/>
+              </a:rPr>
+              <a:t>:</a:t>
+            </a:r>
+          </a:p>
+          <a:p>
+            <a:pPr marL="762000" lvl="1" indent="-171450">
               <a:spcAft>
                 <a:spcPts val="2100"/>
               </a:spcAft>
@@ -15783,30 +15730,45 @@
                 <a:schemeClr val="dk2"/>
               </a:buClr>
               <a:buSzPct val="100000"/>
-              <a:buFont typeface="Calibri"/>
-              <a:buChar char="○"/>
+              <a:buFont typeface="Arial" charset="0"/>
+              <a:buChar char="•"/>
             </a:pPr>
             <a:r>
-              <a:rPr lang="en-US" sz="1500">
+              <a:rPr lang="en-US" sz="1200" dirty="0">
                 <a:solidFill>
                   <a:schemeClr val="dk2"/>
                 </a:solidFill>
-                <a:latin typeface="Calibri"/>
+                <a:latin typeface="+mn-lt"/>
                 <a:ea typeface="Calibri"/>
                 <a:cs typeface="Calibri"/>
                 <a:sym typeface="Calibri"/>
               </a:rPr>
-              <a:t>lacking information regarding course specialisations</a:t>
+              <a:t>lacking information regarding course </a:t>
             </a:r>
-          </a:p>
-          <a:p>
-            <a:pPr marL="914400" lvl="1" indent="-323850" rtl="0">
-              <a:lnSpc>
-                <a:spcPct val="115000"/>
-              </a:lnSpc>
-              <a:spcBef>
-                <a:spcPts val="0"/>
-              </a:spcBef>
+            <a:r>
+              <a:rPr lang="en-US" sz="1200" dirty="0" err="1">
+                <a:solidFill>
+                  <a:schemeClr val="dk2"/>
+                </a:solidFill>
+                <a:latin typeface="+mn-lt"/>
+                <a:ea typeface="Calibri"/>
+                <a:cs typeface="Calibri"/>
+                <a:sym typeface="Calibri"/>
+              </a:rPr>
+              <a:t>specialisations</a:t>
+            </a:r>
+            <a:endParaRPr lang="en-US" sz="1200" dirty="0">
+              <a:solidFill>
+                <a:schemeClr val="dk2"/>
+              </a:solidFill>
+              <a:latin typeface="+mn-lt"/>
+              <a:ea typeface="Calibri"/>
+              <a:cs typeface="Calibri"/>
+              <a:sym typeface="Calibri"/>
+            </a:endParaRPr>
+          </a:p>
+          <a:p>
+            <a:pPr marL="762000" lvl="1" indent="-171450">
               <a:spcAft>
                 <a:spcPts val="2100"/>
               </a:spcAft>
@@ -15814,36 +15776,87 @@
                 <a:schemeClr val="dk2"/>
               </a:buClr>
               <a:buSzPct val="100000"/>
-              <a:buFont typeface="Calibri"/>
-              <a:buChar char="○"/>
+              <a:buFont typeface="Arial" charset="0"/>
+              <a:buChar char="•"/>
             </a:pPr>
             <a:r>
-              <a:rPr lang="en-US" sz="1500">
+              <a:rPr lang="en-US" sz="1200" dirty="0">
                 <a:solidFill>
                   <a:schemeClr val="dk2"/>
                 </a:solidFill>
-                <a:latin typeface="Calibri"/>
+                <a:latin typeface="+mn-lt"/>
                 <a:ea typeface="Calibri"/>
                 <a:cs typeface="Calibri"/>
                 <a:sym typeface="Calibri"/>
               </a:rPr>
-              <a:t>Interpretation of information eg. pre-requisites/eligibilty</a:t>
+              <a:t>Interpretation of information </a:t>
             </a:r>
-          </a:p>
-          <a:p>
-            <a:pPr marL="457200" marR="0" lvl="0" indent="-342900" algn="l" rtl="0">
-              <a:lnSpc>
-                <a:spcPct val="100000"/>
-              </a:lnSpc>
+            <a:r>
+              <a:rPr lang="en-US" sz="1200" dirty="0" err="1">
+                <a:solidFill>
+                  <a:schemeClr val="dk2"/>
+                </a:solidFill>
+                <a:latin typeface="+mn-lt"/>
+                <a:ea typeface="Calibri"/>
+                <a:cs typeface="Calibri"/>
+                <a:sym typeface="Calibri"/>
+              </a:rPr>
+              <a:t>eg</a:t>
+            </a:r>
+            <a:r>
+              <a:rPr lang="en-US" sz="1200" dirty="0">
+                <a:solidFill>
+                  <a:schemeClr val="dk2"/>
+                </a:solidFill>
+                <a:latin typeface="+mn-lt"/>
+                <a:ea typeface="Calibri"/>
+                <a:cs typeface="Calibri"/>
+                <a:sym typeface="Calibri"/>
+              </a:rPr>
+              <a:t>. </a:t>
+            </a:r>
+            <a:r>
+              <a:rPr lang="en-US" sz="1200" dirty="0" smtClean="0">
+                <a:solidFill>
+                  <a:schemeClr val="dk2"/>
+                </a:solidFill>
+                <a:latin typeface="+mn-lt"/>
+                <a:ea typeface="Calibri"/>
+                <a:cs typeface="Calibri"/>
+                <a:sym typeface="Calibri"/>
+              </a:rPr>
+              <a:t>pre-requisites/</a:t>
+            </a:r>
+            <a:r>
+              <a:rPr lang="en-US" sz="1200" dirty="0" err="1" smtClean="0">
+                <a:solidFill>
+                  <a:schemeClr val="dk2"/>
+                </a:solidFill>
+                <a:latin typeface="+mn-lt"/>
+                <a:ea typeface="Calibri"/>
+                <a:cs typeface="Calibri"/>
+                <a:sym typeface="Calibri"/>
+              </a:rPr>
+              <a:t>eligibilty</a:t>
+            </a:r>
+            <a:endParaRPr lang="en-US" sz="1200" dirty="0">
+              <a:latin typeface="+mn-lt"/>
+            </a:endParaRPr>
+          </a:p>
+          <a:p>
+            <a:pPr marL="285750" marR="0" lvl="0" indent="-171450" algn="l" rtl="0">
               <a:spcBef>
                 <a:spcPts val="0"/>
               </a:spcBef>
               <a:spcAft>
                 <a:spcPts val="0"/>
               </a:spcAft>
-              <a:buChar char="●"/>
-            </a:pPr>
-            <a:endParaRPr sz="1800"/>
+              <a:buFont typeface="Arial" charset="0"/>
+              <a:buChar char="•"/>
+            </a:pPr>
+            <a:endParaRPr sz="1200" dirty="0">
+              <a:latin typeface="+mn-lt"/>
+            </a:endParaRPr>
           </a:p>
         </p:txBody>
       </p:sp>
@@ -16967,97 +16980,12 @@
           <a:chExt cx="0" cy="0"/>
         </a:xfrm>
       </p:grpSpPr>
-      <p:sp>
-        <p:nvSpPr>
-          <p:cNvPr id="278" name="Shape 278"/>
-          <p:cNvSpPr txBox="1">
-            <a:spLocks noGrp="1"/>
-          </p:cNvSpPr>
-          <p:nvPr>
-            <p:ph type="title"/>
-          </p:nvPr>
-        </p:nvSpPr>
-        <p:spPr>
-          <a:xfrm>
-            <a:off x="1092200" y="243606"/>
-            <a:ext cx="10007700" cy="1272900"/>
-          </a:xfrm>
-          <a:prstGeom prst="rect">
-            <a:avLst/>
-          </a:prstGeom>
-          <a:noFill/>
-          <a:ln>
-            <a:noFill/>
-          </a:ln>
-        </p:spPr>
-        <p:txBody>
-          <a:bodyPr wrap="square" lIns="91425" tIns="45700" rIns="91425" bIns="45700" anchor="ctr" anchorCtr="0">
-            <a:noAutofit/>
-          </a:bodyPr>
-          <a:lstStyle/>
-          <a:p>
-            <a:pPr marL="0" marR="0" lvl="0" indent="0" algn="ctr" rtl="0">
-              <a:lnSpc>
-                <a:spcPct val="90000"/>
-              </a:lnSpc>
-              <a:spcBef>
-                <a:spcPts val="0"/>
-              </a:spcBef>
-              <a:spcAft>
-                <a:spcPts val="0"/>
-              </a:spcAft>
-              <a:buClr>
-                <a:srgbClr val="FF0000"/>
-              </a:buClr>
-              <a:buSzPct val="25000"/>
-              <a:buFont typeface="Calibri"/>
-              <a:buNone/>
-            </a:pPr>
-            <a:r>
-              <a:rPr lang="en-US" sz="3200" dirty="0">
-                <a:solidFill>
-                  <a:srgbClr val="FF0000"/>
-                </a:solidFill>
-                <a:latin typeface="Calibri"/>
-                <a:ea typeface="Calibri"/>
-                <a:cs typeface="Calibri"/>
-                <a:sym typeface="Calibri"/>
-              </a:rPr>
-              <a:t>Application</a:t>
-            </a:r>
-            <a:r>
-              <a:rPr lang="en-US" sz="4400" b="1" i="0" u="none" strike="noStrike" cap="none" dirty="0">
-                <a:solidFill>
-                  <a:srgbClr val="FF0000"/>
-                </a:solidFill>
-                <a:latin typeface="Calibri"/>
-                <a:ea typeface="Calibri"/>
-                <a:cs typeface="Calibri"/>
-                <a:sym typeface="Calibri"/>
-              </a:rPr>
-              <a:t> </a:t>
-            </a:r>
-            <a:r>
-              <a:rPr lang="en-US" sz="3200" dirty="0">
-                <a:solidFill>
-                  <a:srgbClr val="FF0000"/>
-                </a:solidFill>
-                <a:latin typeface="Calibri"/>
-                <a:ea typeface="Calibri"/>
-                <a:cs typeface="Calibri"/>
-                <a:sym typeface="Calibri"/>
-              </a:rPr>
-              <a:t>Architecture</a:t>
-            </a:r>
-          </a:p>
-        </p:txBody>
-      </p:sp>
       <p:pic>
         <p:nvPicPr>
           <p:cNvPr id="3" name="Picture 2">
             <a:extLst>
               <a:ext uri="{FF2B5EF4-FFF2-40B4-BE49-F238E27FC236}">
-                <a16:creationId xmlns:a16="http://schemas.microsoft.com/office/drawing/2014/main" id="{925BD36D-8588-4C76-8D64-513240649381}"/>
+                <a16:creationId xmlns="" xmlns:a16="http://schemas.microsoft.com/office/drawing/2014/main" id="{925BD36D-8588-4C76-8D64-513240649381}"/>
               </a:ext>
             </a:extLst>
           </p:cNvPr>
@@ -17087,7 +17015,7 @@
           <p:cNvPr id="11" name="Picture 10">
             <a:extLst>
               <a:ext uri="{FF2B5EF4-FFF2-40B4-BE49-F238E27FC236}">
-                <a16:creationId xmlns:a16="http://schemas.microsoft.com/office/drawing/2014/main" id="{21F664CB-FBD8-4185-9D82-3998D6FD79F4}"/>
+                <a16:creationId xmlns="" xmlns:a16="http://schemas.microsoft.com/office/drawing/2014/main" id="{21F664CB-FBD8-4185-9D82-3998D6FD79F4}"/>
               </a:ext>
             </a:extLst>
           </p:cNvPr>
@@ -17117,7 +17045,7 @@
           <p:cNvPr id="15" name="Picture 14">
             <a:extLst>
               <a:ext uri="{FF2B5EF4-FFF2-40B4-BE49-F238E27FC236}">
-                <a16:creationId xmlns:a16="http://schemas.microsoft.com/office/drawing/2014/main" id="{BE9937CB-5D51-4C5F-B126-40CD6020CE8D}"/>
+                <a16:creationId xmlns="" xmlns:a16="http://schemas.microsoft.com/office/drawing/2014/main" id="{BE9937CB-5D51-4C5F-B126-40CD6020CE8D}"/>
               </a:ext>
             </a:extLst>
           </p:cNvPr>
@@ -17147,7 +17075,7 @@
           <p:cNvPr id="19" name="Picture 18">
             <a:extLst>
               <a:ext uri="{FF2B5EF4-FFF2-40B4-BE49-F238E27FC236}">
-                <a16:creationId xmlns:a16="http://schemas.microsoft.com/office/drawing/2014/main" id="{8A1BDA48-DAC3-4776-8500-4E932A3179DC}"/>
+                <a16:creationId xmlns="" xmlns:a16="http://schemas.microsoft.com/office/drawing/2014/main" id="{8A1BDA48-DAC3-4776-8500-4E932A3179DC}"/>
               </a:ext>
             </a:extLst>
           </p:cNvPr>
@@ -17177,7 +17105,7 @@
           <p:cNvPr id="21" name="Connector: Curved 20">
             <a:extLst>
               <a:ext uri="{FF2B5EF4-FFF2-40B4-BE49-F238E27FC236}">
-                <a16:creationId xmlns:a16="http://schemas.microsoft.com/office/drawing/2014/main" id="{2FC5B3C7-A438-414B-B079-F2F14B5B8D76}"/>
+                <a16:creationId xmlns="" xmlns:a16="http://schemas.microsoft.com/office/drawing/2014/main" id="{2FC5B3C7-A438-414B-B079-F2F14B5B8D76}"/>
               </a:ext>
             </a:extLst>
           </p:cNvPr>
@@ -17221,7 +17149,7 @@
           <p:cNvPr id="23" name="Connector: Curved 22">
             <a:extLst>
               <a:ext uri="{FF2B5EF4-FFF2-40B4-BE49-F238E27FC236}">
-                <a16:creationId xmlns:a16="http://schemas.microsoft.com/office/drawing/2014/main" id="{393A4730-35FA-4832-BA50-734C1B438D8B}"/>
+                <a16:creationId xmlns="" xmlns:a16="http://schemas.microsoft.com/office/drawing/2014/main" id="{393A4730-35FA-4832-BA50-734C1B438D8B}"/>
               </a:ext>
             </a:extLst>
           </p:cNvPr>
@@ -17265,7 +17193,7 @@
           <p:cNvPr id="25" name="Connector: Curved 24">
             <a:extLst>
               <a:ext uri="{FF2B5EF4-FFF2-40B4-BE49-F238E27FC236}">
-                <a16:creationId xmlns:a16="http://schemas.microsoft.com/office/drawing/2014/main" id="{7DA0DC4F-C4EA-412A-8611-D34FB71CD1C4}"/>
+                <a16:creationId xmlns="" xmlns:a16="http://schemas.microsoft.com/office/drawing/2014/main" id="{7DA0DC4F-C4EA-412A-8611-D34FB71CD1C4}"/>
               </a:ext>
             </a:extLst>
           </p:cNvPr>
@@ -17309,7 +17237,7 @@
           <p:cNvPr id="26" name="TextBox 25">
             <a:extLst>
               <a:ext uri="{FF2B5EF4-FFF2-40B4-BE49-F238E27FC236}">
-                <a16:creationId xmlns:a16="http://schemas.microsoft.com/office/drawing/2014/main" id="{79F6FC67-70BD-4246-874E-CDC812D08BED}"/>
+                <a16:creationId xmlns="" xmlns:a16="http://schemas.microsoft.com/office/drawing/2014/main" id="{79F6FC67-70BD-4246-874E-CDC812D08BED}"/>
               </a:ext>
             </a:extLst>
           </p:cNvPr>
@@ -17347,7 +17275,7 @@
           <p:cNvPr id="29" name="TextBox 28">
             <a:extLst>
               <a:ext uri="{FF2B5EF4-FFF2-40B4-BE49-F238E27FC236}">
-                <a16:creationId xmlns:a16="http://schemas.microsoft.com/office/drawing/2014/main" id="{7D8C648D-A1CC-4174-8C79-17A413F77EEE}"/>
+                <a16:creationId xmlns="" xmlns:a16="http://schemas.microsoft.com/office/drawing/2014/main" id="{7D8C648D-A1CC-4174-8C79-17A413F77EEE}"/>
               </a:ext>
             </a:extLst>
           </p:cNvPr>
@@ -17385,7 +17313,7 @@
           <p:cNvPr id="30" name="TextBox 29">
             <a:extLst>
               <a:ext uri="{FF2B5EF4-FFF2-40B4-BE49-F238E27FC236}">
-                <a16:creationId xmlns:a16="http://schemas.microsoft.com/office/drawing/2014/main" id="{E16F2879-E736-406F-8BA5-0AE0581B9EE7}"/>
+                <a16:creationId xmlns="" xmlns:a16="http://schemas.microsoft.com/office/drawing/2014/main" id="{E16F2879-E736-406F-8BA5-0AE0581B9EE7}"/>
               </a:ext>
             </a:extLst>
           </p:cNvPr>
@@ -17423,7 +17351,7 @@
           <p:cNvPr id="31" name="TextBox 30">
             <a:extLst>
               <a:ext uri="{FF2B5EF4-FFF2-40B4-BE49-F238E27FC236}">
-                <a16:creationId xmlns:a16="http://schemas.microsoft.com/office/drawing/2014/main" id="{E368AE6E-7767-4EF2-9278-7D634F5BAEF5}"/>
+                <a16:creationId xmlns="" xmlns:a16="http://schemas.microsoft.com/office/drawing/2014/main" id="{E368AE6E-7767-4EF2-9278-7D634F5BAEF5}"/>
               </a:ext>
             </a:extLst>
           </p:cNvPr>
@@ -17461,7 +17389,7 @@
           <p:cNvPr id="27" name="TextBox 26">
             <a:extLst>
               <a:ext uri="{FF2B5EF4-FFF2-40B4-BE49-F238E27FC236}">
-                <a16:creationId xmlns:a16="http://schemas.microsoft.com/office/drawing/2014/main" id="{2C052569-322D-410A-AD0D-85AC1BE9A8E4}"/>
+                <a16:creationId xmlns="" xmlns:a16="http://schemas.microsoft.com/office/drawing/2014/main" id="{2C052569-322D-410A-AD0D-85AC1BE9A8E4}"/>
               </a:ext>
             </a:extLst>
           </p:cNvPr>
@@ -17508,7 +17436,7 @@
           <p:cNvPr id="28" name="TextBox 27">
             <a:extLst>
               <a:ext uri="{FF2B5EF4-FFF2-40B4-BE49-F238E27FC236}">
-                <a16:creationId xmlns:a16="http://schemas.microsoft.com/office/drawing/2014/main" id="{1F8B5744-43CC-4D95-AFAC-D062E7BEF07E}"/>
+                <a16:creationId xmlns="" xmlns:a16="http://schemas.microsoft.com/office/drawing/2014/main" id="{1F8B5744-43CC-4D95-AFAC-D062E7BEF07E}"/>
               </a:ext>
             </a:extLst>
           </p:cNvPr>
@@ -17575,7 +17503,7 @@
           <p:cNvPr id="256" name="TextBox 255">
             <a:extLst>
               <a:ext uri="{FF2B5EF4-FFF2-40B4-BE49-F238E27FC236}">
-                <a16:creationId xmlns:a16="http://schemas.microsoft.com/office/drawing/2014/main" id="{908D6DB3-CFCC-4949-9690-D0913CE68812}"/>
+                <a16:creationId xmlns="" xmlns:a16="http://schemas.microsoft.com/office/drawing/2014/main" id="{908D6DB3-CFCC-4949-9690-D0913CE68812}"/>
               </a:ext>
             </a:extLst>
           </p:cNvPr>
@@ -17629,7 +17557,7 @@
           <p:cNvPr id="258" name="Connector: Curved 257">
             <a:extLst>
               <a:ext uri="{FF2B5EF4-FFF2-40B4-BE49-F238E27FC236}">
-                <a16:creationId xmlns:a16="http://schemas.microsoft.com/office/drawing/2014/main" id="{9422E1EB-925D-41C9-A752-28345953495F}"/>
+                <a16:creationId xmlns="" xmlns:a16="http://schemas.microsoft.com/office/drawing/2014/main" id="{9422E1EB-925D-41C9-A752-28345953495F}"/>
               </a:ext>
             </a:extLst>
           </p:cNvPr>
@@ -17673,7 +17601,7 @@
           <p:cNvPr id="260" name="Connector: Curved 259">
             <a:extLst>
               <a:ext uri="{FF2B5EF4-FFF2-40B4-BE49-F238E27FC236}">
-                <a16:creationId xmlns:a16="http://schemas.microsoft.com/office/drawing/2014/main" id="{B5853203-A161-4C9F-B057-602AF00412FB}"/>
+                <a16:creationId xmlns="" xmlns:a16="http://schemas.microsoft.com/office/drawing/2014/main" id="{B5853203-A161-4C9F-B057-602AF00412FB}"/>
               </a:ext>
             </a:extLst>
           </p:cNvPr>
@@ -17717,7 +17645,7 @@
           <p:cNvPr id="262" name="Connector: Curved 261">
             <a:extLst>
               <a:ext uri="{FF2B5EF4-FFF2-40B4-BE49-F238E27FC236}">
-                <a16:creationId xmlns:a16="http://schemas.microsoft.com/office/drawing/2014/main" id="{4E84E900-4FE9-4E7E-884A-37E7974E5456}"/>
+                <a16:creationId xmlns="" xmlns:a16="http://schemas.microsoft.com/office/drawing/2014/main" id="{4E84E900-4FE9-4E7E-884A-37E7974E5456}"/>
               </a:ext>
             </a:extLst>
           </p:cNvPr>
@@ -17761,7 +17689,7 @@
           <p:cNvPr id="263" name="TextBox 262">
             <a:extLst>
               <a:ext uri="{FF2B5EF4-FFF2-40B4-BE49-F238E27FC236}">
-                <a16:creationId xmlns:a16="http://schemas.microsoft.com/office/drawing/2014/main" id="{B903EB83-138D-43C5-B3F3-024A43592B6E}"/>
+                <a16:creationId xmlns="" xmlns:a16="http://schemas.microsoft.com/office/drawing/2014/main" id="{B903EB83-138D-43C5-B3F3-024A43592B6E}"/>
               </a:ext>
             </a:extLst>
           </p:cNvPr>
@@ -17859,7 +17787,7 @@
           <p:cNvPr id="264" name="TextBox 263">
             <a:extLst>
               <a:ext uri="{FF2B5EF4-FFF2-40B4-BE49-F238E27FC236}">
-                <a16:creationId xmlns:a16="http://schemas.microsoft.com/office/drawing/2014/main" id="{A79BB224-0C75-412E-A978-52C1FF3A7760}"/>
+                <a16:creationId xmlns="" xmlns:a16="http://schemas.microsoft.com/office/drawing/2014/main" id="{A79BB224-0C75-412E-A978-52C1FF3A7760}"/>
               </a:ext>
             </a:extLst>
           </p:cNvPr>
@@ -17988,7 +17916,7 @@
           <p:cNvPr id="268" name="Picture 267">
             <a:extLst>
               <a:ext uri="{FF2B5EF4-FFF2-40B4-BE49-F238E27FC236}">
-                <a16:creationId xmlns:a16="http://schemas.microsoft.com/office/drawing/2014/main" id="{95E86B1C-876B-4150-8C1A-5386214B18E7}"/>
+                <a16:creationId xmlns="" xmlns:a16="http://schemas.microsoft.com/office/drawing/2014/main" id="{95E86B1C-876B-4150-8C1A-5386214B18E7}"/>
               </a:ext>
             </a:extLst>
           </p:cNvPr>
@@ -18018,7 +17946,7 @@
           <p:cNvPr id="269" name="TextBox 268">
             <a:extLst>
               <a:ext uri="{FF2B5EF4-FFF2-40B4-BE49-F238E27FC236}">
-                <a16:creationId xmlns:a16="http://schemas.microsoft.com/office/drawing/2014/main" id="{F0E1AC7A-85C1-4C85-A254-99304C523DAF}"/>
+                <a16:creationId xmlns="" xmlns:a16="http://schemas.microsoft.com/office/drawing/2014/main" id="{F0E1AC7A-85C1-4C85-A254-99304C523DAF}"/>
               </a:ext>
             </a:extLst>
           </p:cNvPr>

--- a/comp9323-presentation.pptx
+++ b/comp9323-presentation.pptx
@@ -15098,6 +15098,24 @@
           <a:ln>
             <a:noFill/>
           </a:ln>
+          <a:effectLst>
+            <a:outerShdw blurRad="44450" dist="27940" dir="5400000" algn="ctr">
+              <a:srgbClr val="000000">
+                <a:alpha val="32000"/>
+              </a:srgbClr>
+            </a:outerShdw>
+          </a:effectLst>
+          <a:scene3d>
+            <a:camera prst="orthographicFront">
+              <a:rot lat="0" lon="0" rev="0"/>
+            </a:camera>
+            <a:lightRig rig="balanced" dir="t">
+              <a:rot lat="0" lon="0" rev="8700000"/>
+            </a:lightRig>
+          </a:scene3d>
+          <a:sp3d>
+            <a:bevelT w="190500" h="38100"/>
+          </a:sp3d>
         </p:spPr>
         <p:txBody>
           <a:bodyPr wrap="square" lIns="91425" tIns="45700" rIns="91425" bIns="45700" anchor="b" anchorCtr="0">
@@ -15120,7 +15138,7 @@
               <a:buNone/>
             </a:pPr>
             <a:r>
-              <a:rPr lang="en-US" sz="6000" b="0" i="0" u="none" strike="noStrike" cap="none">
+              <a:rPr lang="en-US" sz="6000" b="0" i="0" u="none" strike="noStrike" cap="none" dirty="0" err="1">
                 <a:solidFill>
                   <a:srgbClr val="FF0000"/>
                 </a:solidFill>
@@ -15131,6 +15149,15 @@
               </a:rPr>
               <a:t>Chappie</a:t>
             </a:r>
+            <a:endParaRPr lang="en-US" sz="6000" b="0" i="0" u="none" strike="noStrike" cap="none" dirty="0">
+              <a:solidFill>
+                <a:srgbClr val="FF0000"/>
+              </a:solidFill>
+              <a:latin typeface="Calibri"/>
+              <a:ea typeface="Calibri"/>
+              <a:cs typeface="Calibri"/>
+              <a:sym typeface="Calibri"/>
+            </a:endParaRPr>
           </a:p>
         </p:txBody>
       </p:sp>
@@ -15156,6 +15183,24 @@
           <a:ln>
             <a:noFill/>
           </a:ln>
+          <a:effectLst>
+            <a:outerShdw blurRad="44450" dist="27940" dir="5400000" algn="ctr">
+              <a:srgbClr val="000000">
+                <a:alpha val="32000"/>
+              </a:srgbClr>
+            </a:outerShdw>
+          </a:effectLst>
+          <a:scene3d>
+            <a:camera prst="orthographicFront">
+              <a:rot lat="0" lon="0" rev="0"/>
+            </a:camera>
+            <a:lightRig rig="balanced" dir="t">
+              <a:rot lat="0" lon="0" rev="8700000"/>
+            </a:lightRig>
+          </a:scene3d>
+          <a:sp3d>
+            <a:bevelT w="190500" h="38100"/>
+          </a:sp3d>
         </p:spPr>
         <p:txBody>
           <a:bodyPr wrap="square" lIns="91425" tIns="45700" rIns="91425" bIns="45700" anchor="t" anchorCtr="0">
@@ -15178,7 +15223,7 @@
               <a:buNone/>
             </a:pPr>
             <a:r>
-              <a:rPr lang="en-US" sz="2400">
+              <a:rPr lang="en-US" sz="2400" dirty="0">
                 <a:solidFill>
                   <a:srgbClr val="000000"/>
                 </a:solidFill>
@@ -15235,6 +15280,27 @@
           <a:prstGeom prst="rect">
             <a:avLst/>
           </a:prstGeom>
+          <a:ln>
+            <a:noFill/>
+          </a:ln>
+          <a:effectLst>
+            <a:outerShdw blurRad="44450" dist="27940" dir="5400000" algn="ctr">
+              <a:srgbClr val="000000">
+                <a:alpha val="32000"/>
+              </a:srgbClr>
+            </a:outerShdw>
+          </a:effectLst>
+          <a:scene3d>
+            <a:camera prst="orthographicFront">
+              <a:rot lat="0" lon="0" rev="0"/>
+            </a:camera>
+            <a:lightRig rig="balanced" dir="t">
+              <a:rot lat="0" lon="0" rev="8700000"/>
+            </a:lightRig>
+          </a:scene3d>
+          <a:sp3d>
+            <a:bevelT w="190500" h="38100"/>
+          </a:sp3d>
         </p:spPr>
         <p:txBody>
           <a:bodyPr wrap="square" lIns="121900" tIns="121900" rIns="121900" bIns="121900" anchor="t" anchorCtr="0">
@@ -15249,7 +15315,7 @@
               <a:buNone/>
             </a:pPr>
             <a:r>
-              <a:rPr lang="en-US"/>
+              <a:rPr lang="en-US" dirty="0"/>
               <a:t>Outline</a:t>
             </a:r>
           </a:p>
@@ -15267,12 +15333,33 @@
         </p:nvSpPr>
         <p:spPr>
           <a:xfrm>
-            <a:off x="1092200" y="2654300"/>
+            <a:off x="998894" y="2103794"/>
             <a:ext cx="10007700" cy="3264000"/>
           </a:xfrm>
           <a:prstGeom prst="rect">
             <a:avLst/>
           </a:prstGeom>
+          <a:ln>
+            <a:noFill/>
+          </a:ln>
+          <a:effectLst>
+            <a:outerShdw blurRad="44450" dist="27940" dir="5400000" algn="ctr">
+              <a:srgbClr val="000000">
+                <a:alpha val="32000"/>
+              </a:srgbClr>
+            </a:outerShdw>
+          </a:effectLst>
+          <a:scene3d>
+            <a:camera prst="orthographicFront">
+              <a:rot lat="0" lon="0" rev="0"/>
+            </a:camera>
+            <a:lightRig rig="balanced" dir="t">
+              <a:rot lat="0" lon="0" rev="8700000"/>
+            </a:lightRig>
+          </a:scene3d>
+          <a:sp3d>
+            <a:bevelT w="190500" h="38100"/>
+          </a:sp3d>
         </p:spPr>
         <p:txBody>
           <a:bodyPr wrap="square" lIns="121900" tIns="121900" rIns="121900" bIns="121900" anchor="t" anchorCtr="0">
@@ -15287,7 +15374,7 @@
               <a:buSzPct val="100000"/>
             </a:pPr>
             <a:r>
-              <a:rPr lang="en-US" sz="2400"/>
+              <a:rPr lang="en-US" sz="2400" dirty="0"/>
               <a:t>Problem Definition</a:t>
             </a:r>
           </a:p>
@@ -15299,7 +15386,7 @@
               <a:buSzPct val="100000"/>
             </a:pPr>
             <a:r>
-              <a:rPr lang="en-US" sz="2400"/>
+              <a:rPr lang="en-US" sz="2400" dirty="0"/>
               <a:t>Proposed Solution</a:t>
             </a:r>
           </a:p>
@@ -15311,7 +15398,7 @@
               <a:buSzPct val="100000"/>
             </a:pPr>
             <a:r>
-              <a:rPr lang="en-US" sz="2400"/>
+              <a:rPr lang="en-US" sz="2400" dirty="0"/>
               <a:t>Front-End Implementation</a:t>
             </a:r>
           </a:p>
@@ -15323,7 +15410,7 @@
               <a:buSzPct val="100000"/>
             </a:pPr>
             <a:r>
-              <a:rPr lang="en-US" sz="2400"/>
+              <a:rPr lang="en-US" sz="2400" dirty="0"/>
               <a:t>Back-End Implementation</a:t>
             </a:r>
           </a:p>
@@ -15335,7 +15422,7 @@
               <a:buSzPct val="100000"/>
             </a:pPr>
             <a:r>
-              <a:rPr lang="en-US" sz="2400"/>
+              <a:rPr lang="en-US" sz="2400" dirty="0"/>
               <a:t>Architecture</a:t>
             </a:r>
           </a:p>
@@ -15346,7 +15433,7 @@
               </a:spcBef>
               <a:buNone/>
             </a:pPr>
-            <a:endParaRPr/>
+            <a:endParaRPr dirty="0"/>
           </a:p>
         </p:txBody>
       </p:sp>
@@ -15813,22 +15900,10 @@
                 <a:cs typeface="Calibri"/>
                 <a:sym typeface="Calibri"/>
               </a:rPr>
-              <a:t>. </a:t>
+              <a:t>. pre-requisites/</a:t>
             </a:r>
             <a:r>
-              <a:rPr lang="en-US" sz="1200" dirty="0" smtClean="0">
-                <a:solidFill>
-                  <a:schemeClr val="dk2"/>
-                </a:solidFill>
-                <a:latin typeface="+mn-lt"/>
-                <a:ea typeface="Calibri"/>
-                <a:cs typeface="Calibri"/>
-                <a:sym typeface="Calibri"/>
-              </a:rPr>
-              <a:t>pre-requisites/</a:t>
-            </a:r>
-            <a:r>
-              <a:rPr lang="en-US" sz="1200" dirty="0" err="1" smtClean="0">
+              <a:rPr lang="en-US" sz="1200" dirty="0" err="1">
                 <a:solidFill>
                   <a:schemeClr val="dk2"/>
                 </a:solidFill>
@@ -16985,7 +17060,7 @@
           <p:cNvPr id="3" name="Picture 2">
             <a:extLst>
               <a:ext uri="{FF2B5EF4-FFF2-40B4-BE49-F238E27FC236}">
-                <a16:creationId xmlns="" xmlns:a16="http://schemas.microsoft.com/office/drawing/2014/main" id="{925BD36D-8588-4C76-8D64-513240649381}"/>
+                <a16:creationId xmlns:a16="http://schemas.microsoft.com/office/drawing/2014/main" id="{925BD36D-8588-4C76-8D64-513240649381}"/>
               </a:ext>
             </a:extLst>
           </p:cNvPr>
@@ -17015,7 +17090,7 @@
           <p:cNvPr id="11" name="Picture 10">
             <a:extLst>
               <a:ext uri="{FF2B5EF4-FFF2-40B4-BE49-F238E27FC236}">
-                <a16:creationId xmlns="" xmlns:a16="http://schemas.microsoft.com/office/drawing/2014/main" id="{21F664CB-FBD8-4185-9D82-3998D6FD79F4}"/>
+                <a16:creationId xmlns:a16="http://schemas.microsoft.com/office/drawing/2014/main" id="{21F664CB-FBD8-4185-9D82-3998D6FD79F4}"/>
               </a:ext>
             </a:extLst>
           </p:cNvPr>
@@ -17045,7 +17120,7 @@
           <p:cNvPr id="15" name="Picture 14">
             <a:extLst>
               <a:ext uri="{FF2B5EF4-FFF2-40B4-BE49-F238E27FC236}">
-                <a16:creationId xmlns="" xmlns:a16="http://schemas.microsoft.com/office/drawing/2014/main" id="{BE9937CB-5D51-4C5F-B126-40CD6020CE8D}"/>
+                <a16:creationId xmlns:a16="http://schemas.microsoft.com/office/drawing/2014/main" id="{BE9937CB-5D51-4C5F-B126-40CD6020CE8D}"/>
               </a:ext>
             </a:extLst>
           </p:cNvPr>
@@ -17075,7 +17150,7 @@
           <p:cNvPr id="19" name="Picture 18">
             <a:extLst>
               <a:ext uri="{FF2B5EF4-FFF2-40B4-BE49-F238E27FC236}">
-                <a16:creationId xmlns="" xmlns:a16="http://schemas.microsoft.com/office/drawing/2014/main" id="{8A1BDA48-DAC3-4776-8500-4E932A3179DC}"/>
+                <a16:creationId xmlns:a16="http://schemas.microsoft.com/office/drawing/2014/main" id="{8A1BDA48-DAC3-4776-8500-4E932A3179DC}"/>
               </a:ext>
             </a:extLst>
           </p:cNvPr>
@@ -17105,7 +17180,7 @@
           <p:cNvPr id="21" name="Connector: Curved 20">
             <a:extLst>
               <a:ext uri="{FF2B5EF4-FFF2-40B4-BE49-F238E27FC236}">
-                <a16:creationId xmlns="" xmlns:a16="http://schemas.microsoft.com/office/drawing/2014/main" id="{2FC5B3C7-A438-414B-B079-F2F14B5B8D76}"/>
+                <a16:creationId xmlns:a16="http://schemas.microsoft.com/office/drawing/2014/main" id="{2FC5B3C7-A438-414B-B079-F2F14B5B8D76}"/>
               </a:ext>
             </a:extLst>
           </p:cNvPr>
@@ -17149,7 +17224,7 @@
           <p:cNvPr id="23" name="Connector: Curved 22">
             <a:extLst>
               <a:ext uri="{FF2B5EF4-FFF2-40B4-BE49-F238E27FC236}">
-                <a16:creationId xmlns="" xmlns:a16="http://schemas.microsoft.com/office/drawing/2014/main" id="{393A4730-35FA-4832-BA50-734C1B438D8B}"/>
+                <a16:creationId xmlns:a16="http://schemas.microsoft.com/office/drawing/2014/main" id="{393A4730-35FA-4832-BA50-734C1B438D8B}"/>
               </a:ext>
             </a:extLst>
           </p:cNvPr>
@@ -17193,7 +17268,7 @@
           <p:cNvPr id="25" name="Connector: Curved 24">
             <a:extLst>
               <a:ext uri="{FF2B5EF4-FFF2-40B4-BE49-F238E27FC236}">
-                <a16:creationId xmlns="" xmlns:a16="http://schemas.microsoft.com/office/drawing/2014/main" id="{7DA0DC4F-C4EA-412A-8611-D34FB71CD1C4}"/>
+                <a16:creationId xmlns:a16="http://schemas.microsoft.com/office/drawing/2014/main" id="{7DA0DC4F-C4EA-412A-8611-D34FB71CD1C4}"/>
               </a:ext>
             </a:extLst>
           </p:cNvPr>
@@ -17237,7 +17312,7 @@
           <p:cNvPr id="26" name="TextBox 25">
             <a:extLst>
               <a:ext uri="{FF2B5EF4-FFF2-40B4-BE49-F238E27FC236}">
-                <a16:creationId xmlns="" xmlns:a16="http://schemas.microsoft.com/office/drawing/2014/main" id="{79F6FC67-70BD-4246-874E-CDC812D08BED}"/>
+                <a16:creationId xmlns:a16="http://schemas.microsoft.com/office/drawing/2014/main" id="{79F6FC67-70BD-4246-874E-CDC812D08BED}"/>
               </a:ext>
             </a:extLst>
           </p:cNvPr>
@@ -17275,7 +17350,7 @@
           <p:cNvPr id="29" name="TextBox 28">
             <a:extLst>
               <a:ext uri="{FF2B5EF4-FFF2-40B4-BE49-F238E27FC236}">
-                <a16:creationId xmlns="" xmlns:a16="http://schemas.microsoft.com/office/drawing/2014/main" id="{7D8C648D-A1CC-4174-8C79-17A413F77EEE}"/>
+                <a16:creationId xmlns:a16="http://schemas.microsoft.com/office/drawing/2014/main" id="{7D8C648D-A1CC-4174-8C79-17A413F77EEE}"/>
               </a:ext>
             </a:extLst>
           </p:cNvPr>
@@ -17313,7 +17388,7 @@
           <p:cNvPr id="30" name="TextBox 29">
             <a:extLst>
               <a:ext uri="{FF2B5EF4-FFF2-40B4-BE49-F238E27FC236}">
-                <a16:creationId xmlns="" xmlns:a16="http://schemas.microsoft.com/office/drawing/2014/main" id="{E16F2879-E736-406F-8BA5-0AE0581B9EE7}"/>
+                <a16:creationId xmlns:a16="http://schemas.microsoft.com/office/drawing/2014/main" id="{E16F2879-E736-406F-8BA5-0AE0581B9EE7}"/>
               </a:ext>
             </a:extLst>
           </p:cNvPr>
@@ -17351,7 +17426,7 @@
           <p:cNvPr id="31" name="TextBox 30">
             <a:extLst>
               <a:ext uri="{FF2B5EF4-FFF2-40B4-BE49-F238E27FC236}">
-                <a16:creationId xmlns="" xmlns:a16="http://schemas.microsoft.com/office/drawing/2014/main" id="{E368AE6E-7767-4EF2-9278-7D634F5BAEF5}"/>
+                <a16:creationId xmlns:a16="http://schemas.microsoft.com/office/drawing/2014/main" id="{E368AE6E-7767-4EF2-9278-7D634F5BAEF5}"/>
               </a:ext>
             </a:extLst>
           </p:cNvPr>
@@ -17389,7 +17464,7 @@
           <p:cNvPr id="27" name="TextBox 26">
             <a:extLst>
               <a:ext uri="{FF2B5EF4-FFF2-40B4-BE49-F238E27FC236}">
-                <a16:creationId xmlns="" xmlns:a16="http://schemas.microsoft.com/office/drawing/2014/main" id="{2C052569-322D-410A-AD0D-85AC1BE9A8E4}"/>
+                <a16:creationId xmlns:a16="http://schemas.microsoft.com/office/drawing/2014/main" id="{2C052569-322D-410A-AD0D-85AC1BE9A8E4}"/>
               </a:ext>
             </a:extLst>
           </p:cNvPr>
@@ -17436,7 +17511,7 @@
           <p:cNvPr id="28" name="TextBox 27">
             <a:extLst>
               <a:ext uri="{FF2B5EF4-FFF2-40B4-BE49-F238E27FC236}">
-                <a16:creationId xmlns="" xmlns:a16="http://schemas.microsoft.com/office/drawing/2014/main" id="{1F8B5744-43CC-4D95-AFAC-D062E7BEF07E}"/>
+                <a16:creationId xmlns:a16="http://schemas.microsoft.com/office/drawing/2014/main" id="{1F8B5744-43CC-4D95-AFAC-D062E7BEF07E}"/>
               </a:ext>
             </a:extLst>
           </p:cNvPr>
@@ -17503,7 +17578,7 @@
           <p:cNvPr id="256" name="TextBox 255">
             <a:extLst>
               <a:ext uri="{FF2B5EF4-FFF2-40B4-BE49-F238E27FC236}">
-                <a16:creationId xmlns="" xmlns:a16="http://schemas.microsoft.com/office/drawing/2014/main" id="{908D6DB3-CFCC-4949-9690-D0913CE68812}"/>
+                <a16:creationId xmlns:a16="http://schemas.microsoft.com/office/drawing/2014/main" id="{908D6DB3-CFCC-4949-9690-D0913CE68812}"/>
               </a:ext>
             </a:extLst>
           </p:cNvPr>
@@ -17557,7 +17632,7 @@
           <p:cNvPr id="258" name="Connector: Curved 257">
             <a:extLst>
               <a:ext uri="{FF2B5EF4-FFF2-40B4-BE49-F238E27FC236}">
-                <a16:creationId xmlns="" xmlns:a16="http://schemas.microsoft.com/office/drawing/2014/main" id="{9422E1EB-925D-41C9-A752-28345953495F}"/>
+                <a16:creationId xmlns:a16="http://schemas.microsoft.com/office/drawing/2014/main" id="{9422E1EB-925D-41C9-A752-28345953495F}"/>
               </a:ext>
             </a:extLst>
           </p:cNvPr>
@@ -17601,7 +17676,7 @@
           <p:cNvPr id="260" name="Connector: Curved 259">
             <a:extLst>
               <a:ext uri="{FF2B5EF4-FFF2-40B4-BE49-F238E27FC236}">
-                <a16:creationId xmlns="" xmlns:a16="http://schemas.microsoft.com/office/drawing/2014/main" id="{B5853203-A161-4C9F-B057-602AF00412FB}"/>
+                <a16:creationId xmlns:a16="http://schemas.microsoft.com/office/drawing/2014/main" id="{B5853203-A161-4C9F-B057-602AF00412FB}"/>
               </a:ext>
             </a:extLst>
           </p:cNvPr>
@@ -17645,7 +17720,7 @@
           <p:cNvPr id="262" name="Connector: Curved 261">
             <a:extLst>
               <a:ext uri="{FF2B5EF4-FFF2-40B4-BE49-F238E27FC236}">
-                <a16:creationId xmlns="" xmlns:a16="http://schemas.microsoft.com/office/drawing/2014/main" id="{4E84E900-4FE9-4E7E-884A-37E7974E5456}"/>
+                <a16:creationId xmlns:a16="http://schemas.microsoft.com/office/drawing/2014/main" id="{4E84E900-4FE9-4E7E-884A-37E7974E5456}"/>
               </a:ext>
             </a:extLst>
           </p:cNvPr>
@@ -17689,7 +17764,7 @@
           <p:cNvPr id="263" name="TextBox 262">
             <a:extLst>
               <a:ext uri="{FF2B5EF4-FFF2-40B4-BE49-F238E27FC236}">
-                <a16:creationId xmlns="" xmlns:a16="http://schemas.microsoft.com/office/drawing/2014/main" id="{B903EB83-138D-43C5-B3F3-024A43592B6E}"/>
+                <a16:creationId xmlns:a16="http://schemas.microsoft.com/office/drawing/2014/main" id="{B903EB83-138D-43C5-B3F3-024A43592B6E}"/>
               </a:ext>
             </a:extLst>
           </p:cNvPr>
@@ -17787,7 +17862,7 @@
           <p:cNvPr id="264" name="TextBox 263">
             <a:extLst>
               <a:ext uri="{FF2B5EF4-FFF2-40B4-BE49-F238E27FC236}">
-                <a16:creationId xmlns="" xmlns:a16="http://schemas.microsoft.com/office/drawing/2014/main" id="{A79BB224-0C75-412E-A978-52C1FF3A7760}"/>
+                <a16:creationId xmlns:a16="http://schemas.microsoft.com/office/drawing/2014/main" id="{A79BB224-0C75-412E-A978-52C1FF3A7760}"/>
               </a:ext>
             </a:extLst>
           </p:cNvPr>
@@ -17916,7 +17991,7 @@
           <p:cNvPr id="268" name="Picture 267">
             <a:extLst>
               <a:ext uri="{FF2B5EF4-FFF2-40B4-BE49-F238E27FC236}">
-                <a16:creationId xmlns="" xmlns:a16="http://schemas.microsoft.com/office/drawing/2014/main" id="{95E86B1C-876B-4150-8C1A-5386214B18E7}"/>
+                <a16:creationId xmlns:a16="http://schemas.microsoft.com/office/drawing/2014/main" id="{95E86B1C-876B-4150-8C1A-5386214B18E7}"/>
               </a:ext>
             </a:extLst>
           </p:cNvPr>
@@ -17946,7 +18021,7 @@
           <p:cNvPr id="269" name="TextBox 268">
             <a:extLst>
               <a:ext uri="{FF2B5EF4-FFF2-40B4-BE49-F238E27FC236}">
-                <a16:creationId xmlns="" xmlns:a16="http://schemas.microsoft.com/office/drawing/2014/main" id="{F0E1AC7A-85C1-4C85-A254-99304C523DAF}"/>
+                <a16:creationId xmlns:a16="http://schemas.microsoft.com/office/drawing/2014/main" id="{F0E1AC7A-85C1-4C85-A254-99304C523DAF}"/>
               </a:ext>
             </a:extLst>
           </p:cNvPr>

--- a/comp9323-presentation.pptx
+++ b/comp9323-presentation.pptx
@@ -15474,12 +15474,33 @@
         </p:nvSpPr>
         <p:spPr>
           <a:xfrm>
-            <a:off x="1092150" y="716567"/>
+            <a:off x="1092150" y="520625"/>
             <a:ext cx="10007700" cy="1272900"/>
           </a:xfrm>
           <a:prstGeom prst="rect">
             <a:avLst/>
           </a:prstGeom>
+          <a:ln>
+            <a:noFill/>
+          </a:ln>
+          <a:effectLst>
+            <a:outerShdw blurRad="44450" dist="27940" dir="5400000" algn="ctr">
+              <a:srgbClr val="000000">
+                <a:alpha val="32000"/>
+              </a:srgbClr>
+            </a:outerShdw>
+          </a:effectLst>
+          <a:scene3d>
+            <a:camera prst="orthographicFront">
+              <a:rot lat="0" lon="0" rev="0"/>
+            </a:camera>
+            <a:lightRig rig="balanced" dir="t">
+              <a:rot lat="0" lon="0" rev="8700000"/>
+            </a:lightRig>
+          </a:scene3d>
+          <a:sp3d>
+            <a:bevelT w="190500" h="38100"/>
+          </a:sp3d>
         </p:spPr>
         <p:txBody>
           <a:bodyPr wrap="square" lIns="121900" tIns="121900" rIns="121900" bIns="121900" anchor="t" anchorCtr="0">
@@ -15494,7 +15515,7 @@
               <a:buNone/>
             </a:pPr>
             <a:r>
-              <a:rPr lang="en-US"/>
+              <a:rPr lang="en-US" dirty="0"/>
               <a:t>Problem Definition</a:t>
             </a:r>
           </a:p>
@@ -15520,14 +15541,30 @@
             <a:schemeClr val="lt2"/>
           </a:solidFill>
           <a:ln w="9525" cap="flat" cmpd="sng">
-            <a:solidFill>
-              <a:schemeClr val="dk2"/>
-            </a:solidFill>
+            <a:noFill/>
             <a:prstDash val="solid"/>
             <a:round/>
             <a:headEnd type="none" w="med" len="med"/>
             <a:tailEnd type="none" w="med" len="med"/>
           </a:ln>
+          <a:effectLst>
+            <a:outerShdw blurRad="44450" dist="27940" dir="5400000" algn="ctr">
+              <a:srgbClr val="000000">
+                <a:alpha val="32000"/>
+              </a:srgbClr>
+            </a:outerShdw>
+          </a:effectLst>
+          <a:scene3d>
+            <a:camera prst="orthographicFront">
+              <a:rot lat="0" lon="0" rev="0"/>
+            </a:camera>
+            <a:lightRig rig="balanced" dir="t">
+              <a:rot lat="0" lon="0" rev="8700000"/>
+            </a:lightRig>
+          </a:scene3d>
+          <a:sp3d>
+            <a:bevelT w="190500" h="38100"/>
+          </a:sp3d>
         </p:spPr>
         <p:txBody>
           <a:bodyPr wrap="square" lIns="91425" tIns="91425" rIns="91425" bIns="91425" numCol="2" anchor="t" anchorCtr="0">
@@ -15781,31 +15818,7 @@
                 <a:cs typeface="Calibri"/>
                 <a:sym typeface="Calibri"/>
               </a:rPr>
-              <a:t>Requirements &amp; </a:t>
-            </a:r>
-            <a:r>
-              <a:rPr lang="en-US" sz="1200" dirty="0" err="1">
-                <a:solidFill>
-                  <a:schemeClr val="dk2"/>
-                </a:solidFill>
-                <a:latin typeface="+mn-lt"/>
-                <a:ea typeface="Calibri"/>
-                <a:cs typeface="Calibri"/>
-                <a:sym typeface="Calibri"/>
-              </a:rPr>
-              <a:t>Specialisation</a:t>
-            </a:r>
-            <a:r>
-              <a:rPr lang="en-US" sz="1200" dirty="0">
-                <a:solidFill>
-                  <a:schemeClr val="dk2"/>
-                </a:solidFill>
-                <a:latin typeface="+mn-lt"/>
-                <a:ea typeface="Calibri"/>
-                <a:cs typeface="Calibri"/>
-                <a:sym typeface="Calibri"/>
-              </a:rPr>
-              <a:t>:</a:t>
+              <a:t>Requirements &amp; Specialization:</a:t>
             </a:r>
           </a:p>
           <a:p>
@@ -15830,29 +15843,8 @@
                 <a:cs typeface="Calibri"/>
                 <a:sym typeface="Calibri"/>
               </a:rPr>
-              <a:t>lacking information regarding course </a:t>
+              <a:t>lacking information regarding course specializations</a:t>
             </a:r>
-            <a:r>
-              <a:rPr lang="en-US" sz="1200" dirty="0" err="1">
-                <a:solidFill>
-                  <a:schemeClr val="dk2"/>
-                </a:solidFill>
-                <a:latin typeface="+mn-lt"/>
-                <a:ea typeface="Calibri"/>
-                <a:cs typeface="Calibri"/>
-                <a:sym typeface="Calibri"/>
-              </a:rPr>
-              <a:t>specialisations</a:t>
-            </a:r>
-            <a:endParaRPr lang="en-US" sz="1200" dirty="0">
-              <a:solidFill>
-                <a:schemeClr val="dk2"/>
-              </a:solidFill>
-              <a:latin typeface="+mn-lt"/>
-              <a:ea typeface="Calibri"/>
-              <a:cs typeface="Calibri"/>
-              <a:sym typeface="Calibri"/>
-            </a:endParaRPr>
           </a:p>
           <a:p>
             <a:pPr marL="762000" lvl="1" indent="-171450">
@@ -15876,43 +15868,7 @@
                 <a:cs typeface="Calibri"/>
                 <a:sym typeface="Calibri"/>
               </a:rPr>
-              <a:t>Interpretation of information </a:t>
-            </a:r>
-            <a:r>
-              <a:rPr lang="en-US" sz="1200" dirty="0" err="1">
-                <a:solidFill>
-                  <a:schemeClr val="dk2"/>
-                </a:solidFill>
-                <a:latin typeface="+mn-lt"/>
-                <a:ea typeface="Calibri"/>
-                <a:cs typeface="Calibri"/>
-                <a:sym typeface="Calibri"/>
-              </a:rPr>
-              <a:t>eg</a:t>
-            </a:r>
-            <a:r>
-              <a:rPr lang="en-US" sz="1200" dirty="0">
-                <a:solidFill>
-                  <a:schemeClr val="dk2"/>
-                </a:solidFill>
-                <a:latin typeface="+mn-lt"/>
-                <a:ea typeface="Calibri"/>
-                <a:cs typeface="Calibri"/>
-                <a:sym typeface="Calibri"/>
-              </a:rPr>
-              <a:t>. pre-requisites/</a:t>
-            </a:r>
-            <a:r>
-              <a:rPr lang="en-US" sz="1200" dirty="0" err="1">
-                <a:solidFill>
-                  <a:schemeClr val="dk2"/>
-                </a:solidFill>
-                <a:latin typeface="+mn-lt"/>
-                <a:ea typeface="Calibri"/>
-                <a:cs typeface="Calibri"/>
-                <a:sym typeface="Calibri"/>
-              </a:rPr>
-              <a:t>eligibilty</a:t>
+              <a:t>Interpretation of information e.g.. pre-requisites/eligibility</a:t>
             </a:r>
             <a:endParaRPr lang="en-US" sz="1200" dirty="0">
               <a:latin typeface="+mn-lt"/>
@@ -16005,6 +15961,27 @@
           <a:prstGeom prst="rect">
             <a:avLst/>
           </a:prstGeom>
+          <a:ln>
+            <a:noFill/>
+          </a:ln>
+          <a:effectLst>
+            <a:outerShdw blurRad="44450" dist="27940" dir="5400000" algn="ctr">
+              <a:srgbClr val="000000">
+                <a:alpha val="32000"/>
+              </a:srgbClr>
+            </a:outerShdw>
+          </a:effectLst>
+          <a:scene3d>
+            <a:camera prst="orthographicFront">
+              <a:rot lat="0" lon="0" rev="0"/>
+            </a:camera>
+            <a:lightRig rig="balanced" dir="t">
+              <a:rot lat="0" lon="0" rev="8700000"/>
+            </a:lightRig>
+          </a:scene3d>
+          <a:sp3d>
+            <a:bevelT w="190500" h="38100"/>
+          </a:sp3d>
         </p:spPr>
         <p:txBody>
           <a:bodyPr wrap="square" lIns="121900" tIns="121900" rIns="121900" bIns="121900" anchor="t" anchorCtr="0">
@@ -16019,7 +15996,7 @@
               <a:buNone/>
             </a:pPr>
             <a:r>
-              <a:rPr lang="en-US"/>
+              <a:rPr lang="en-US" dirty="0"/>
               <a:t>Proposed Solution</a:t>
             </a:r>
           </a:p>
@@ -16045,14 +16022,30 @@
             <a:schemeClr val="lt2"/>
           </a:solidFill>
           <a:ln w="9525" cap="flat" cmpd="sng">
-            <a:solidFill>
-              <a:schemeClr val="dk2"/>
-            </a:solidFill>
+            <a:noFill/>
             <a:prstDash val="solid"/>
             <a:round/>
             <a:headEnd type="none" w="med" len="med"/>
             <a:tailEnd type="none" w="med" len="med"/>
           </a:ln>
+          <a:effectLst>
+            <a:outerShdw blurRad="44450" dist="27940" dir="5400000" algn="ctr">
+              <a:srgbClr val="000000">
+                <a:alpha val="32000"/>
+              </a:srgbClr>
+            </a:outerShdw>
+          </a:effectLst>
+          <a:scene3d>
+            <a:camera prst="orthographicFront">
+              <a:rot lat="0" lon="0" rev="0"/>
+            </a:camera>
+            <a:lightRig rig="balanced" dir="t">
+              <a:rot lat="0" lon="0" rev="8700000"/>
+            </a:lightRig>
+          </a:scene3d>
+          <a:sp3d>
+            <a:bevelT w="190500" h="38100"/>
+          </a:sp3d>
         </p:spPr>
         <p:txBody>
           <a:bodyPr wrap="square" lIns="91425" tIns="91425" rIns="91425" bIns="91425" anchor="ctr" anchorCtr="0">
@@ -16061,9 +16054,6 @@
           <a:lstStyle/>
           <a:p>
             <a:pPr marL="914400" lvl="0" indent="-336550" rtl="0">
-              <a:lnSpc>
-                <a:spcPct val="115000"/>
-              </a:lnSpc>
               <a:spcBef>
                 <a:spcPts val="0"/>
               </a:spcBef>
@@ -16078,7 +16068,7 @@
               <a:buChar char="●"/>
             </a:pPr>
             <a:r>
-              <a:rPr lang="en-US" sz="1700">
+              <a:rPr lang="en-US" sz="1700" dirty="0">
                 <a:solidFill>
                   <a:schemeClr val="dk2"/>
                 </a:solidFill>
@@ -16092,9 +16082,6 @@
           </a:p>
           <a:p>
             <a:pPr marL="1371600" lvl="1" indent="-323850" rtl="0">
-              <a:lnSpc>
-                <a:spcPct val="115000"/>
-              </a:lnSpc>
               <a:spcBef>
                 <a:spcPts val="0"/>
               </a:spcBef>
@@ -16109,7 +16096,7 @@
               <a:buChar char="○"/>
             </a:pPr>
             <a:r>
-              <a:rPr lang="en-US" sz="1700">
+              <a:rPr lang="en-US" sz="1700" dirty="0">
                 <a:solidFill>
                   <a:schemeClr val="dk2"/>
                 </a:solidFill>
@@ -16123,9 +16110,6 @@
           </a:p>
           <a:p>
             <a:pPr marL="1371600" lvl="1" indent="-323850" rtl="0">
-              <a:lnSpc>
-                <a:spcPct val="115000"/>
-              </a:lnSpc>
               <a:spcBef>
                 <a:spcPts val="0"/>
               </a:spcBef>
@@ -16140,7 +16124,7 @@
               <a:buChar char="○"/>
             </a:pPr>
             <a:r>
-              <a:rPr lang="en-US" sz="1700">
+              <a:rPr lang="en-US" sz="1700" dirty="0">
                 <a:solidFill>
                   <a:schemeClr val="dk2"/>
                 </a:solidFill>
@@ -16154,9 +16138,6 @@
           </a:p>
           <a:p>
             <a:pPr marL="914400" lvl="0" indent="-336550" rtl="0">
-              <a:lnSpc>
-                <a:spcPct val="115000"/>
-              </a:lnSpc>
               <a:spcBef>
                 <a:spcPts val="0"/>
               </a:spcBef>
@@ -16171,7 +16152,7 @@
               <a:buChar char="●"/>
             </a:pPr>
             <a:r>
-              <a:rPr lang="en-US" sz="1700">
+              <a:rPr lang="en-US" sz="1700" dirty="0">
                 <a:solidFill>
                   <a:schemeClr val="dk2"/>
                 </a:solidFill>
@@ -16185,9 +16166,6 @@
           </a:p>
           <a:p>
             <a:pPr marL="1371600" lvl="1" indent="-323850" rtl="0">
-              <a:lnSpc>
-                <a:spcPct val="115000"/>
-              </a:lnSpc>
               <a:spcBef>
                 <a:spcPts val="0"/>
               </a:spcBef>
@@ -16202,7 +16180,7 @@
               <a:buChar char="○"/>
             </a:pPr>
             <a:r>
-              <a:rPr lang="en-US" sz="1700">
+              <a:rPr lang="en-US" sz="1700" dirty="0">
                 <a:solidFill>
                   <a:schemeClr val="dk2"/>
                 </a:solidFill>
@@ -16216,9 +16194,6 @@
           </a:p>
           <a:p>
             <a:pPr marL="1371600" lvl="1" indent="-323850" rtl="0">
-              <a:lnSpc>
-                <a:spcPct val="115000"/>
-              </a:lnSpc>
               <a:spcBef>
                 <a:spcPts val="0"/>
               </a:spcBef>
@@ -16233,7 +16208,7 @@
               <a:buChar char="○"/>
             </a:pPr>
             <a:r>
-              <a:rPr lang="en-US" sz="1700">
+              <a:rPr lang="en-US" sz="1700" dirty="0">
                 <a:solidFill>
                   <a:schemeClr val="dk2"/>
                 </a:solidFill>
@@ -16242,14 +16217,11 @@
                 <a:cs typeface="Calibri"/>
                 <a:sym typeface="Calibri"/>
               </a:rPr>
-              <a:t>Centralised platform</a:t>
+              <a:t>Centralized platform</a:t>
             </a:r>
           </a:p>
           <a:p>
             <a:pPr marL="914400" lvl="0" indent="-336550" rtl="0">
-              <a:lnSpc>
-                <a:spcPct val="115000"/>
-              </a:lnSpc>
               <a:spcBef>
                 <a:spcPts val="0"/>
               </a:spcBef>
@@ -16264,7 +16236,7 @@
               <a:buChar char="●"/>
             </a:pPr>
             <a:r>
-              <a:rPr lang="en-US" sz="1700">
+              <a:rPr lang="en-US" sz="1700" dirty="0">
                 <a:solidFill>
                   <a:schemeClr val="dk2"/>
                 </a:solidFill>
@@ -16278,9 +16250,6 @@
           </a:p>
           <a:p>
             <a:pPr marL="1371600" lvl="1" indent="-323850" rtl="0">
-              <a:lnSpc>
-                <a:spcPct val="115000"/>
-              </a:lnSpc>
               <a:spcBef>
                 <a:spcPts val="0"/>
               </a:spcBef>
@@ -16295,7 +16264,7 @@
               <a:buChar char="○"/>
             </a:pPr>
             <a:r>
-              <a:rPr lang="en-US" sz="1700">
+              <a:rPr lang="en-US" sz="1700" dirty="0">
                 <a:solidFill>
                   <a:schemeClr val="dk2"/>
                 </a:solidFill>
@@ -16304,7 +16273,31 @@
                 <a:cs typeface="Calibri"/>
                 <a:sym typeface="Calibri"/>
               </a:rPr>
-              <a:t>Interactive and Simple solution ie. Chatbot</a:t>
+              <a:t>Interactive and Simple solution </a:t>
+            </a:r>
+            <a:r>
+              <a:rPr lang="en-US" sz="1700" dirty="0" err="1">
+                <a:solidFill>
+                  <a:schemeClr val="dk2"/>
+                </a:solidFill>
+                <a:latin typeface="Calibri"/>
+                <a:ea typeface="Calibri"/>
+                <a:cs typeface="Calibri"/>
+                <a:sym typeface="Calibri"/>
+              </a:rPr>
+              <a:t>ie</a:t>
+            </a:r>
+            <a:r>
+              <a:rPr lang="en-US" sz="1700" dirty="0">
+                <a:solidFill>
+                  <a:schemeClr val="dk2"/>
+                </a:solidFill>
+                <a:latin typeface="Calibri"/>
+                <a:ea typeface="Calibri"/>
+                <a:cs typeface="Calibri"/>
+                <a:sym typeface="Calibri"/>
+              </a:rPr>
+              <a:t>. Chatbot</a:t>
             </a:r>
           </a:p>
         </p:txBody>
@@ -16356,6 +16349,24 @@
           <a:ln>
             <a:noFill/>
           </a:ln>
+          <a:effectLst>
+            <a:outerShdw blurRad="44450" dist="27940" dir="5400000" algn="ctr">
+              <a:srgbClr val="000000">
+                <a:alpha val="32000"/>
+              </a:srgbClr>
+            </a:outerShdw>
+          </a:effectLst>
+          <a:scene3d>
+            <a:camera prst="orthographicFront">
+              <a:rot lat="0" lon="0" rev="0"/>
+            </a:camera>
+            <a:lightRig rig="balanced" dir="t">
+              <a:rot lat="0" lon="0" rev="8700000"/>
+            </a:lightRig>
+          </a:scene3d>
+          <a:sp3d>
+            <a:bevelT w="190500" h="38100"/>
+          </a:sp3d>
         </p:spPr>
         <p:txBody>
           <a:bodyPr wrap="square" lIns="91425" tIns="45700" rIns="91425" bIns="45700" anchor="b" anchorCtr="0">
@@ -16378,7 +16389,7 @@
               <a:buNone/>
             </a:pPr>
             <a:r>
-              <a:rPr lang="en-US" sz="3200" b="0" i="0" u="none" strike="noStrike" cap="none">
+              <a:rPr lang="en-US" sz="3200" b="0" i="0" u="none" strike="noStrike" cap="none" dirty="0">
                 <a:solidFill>
                   <a:srgbClr val="FF0000"/>
                 </a:solidFill>
@@ -16390,7 +16401,7 @@
               <a:t>Front-end Implementation</a:t>
             </a:r>
             <a:br>
-              <a:rPr lang="en-US" sz="3200" b="0" i="0" u="none" strike="noStrike" cap="none">
+              <a:rPr lang="en-US" sz="3200" b="0" i="0" u="none" strike="noStrike" cap="none" dirty="0">
                 <a:solidFill>
                   <a:srgbClr val="FF0000"/>
                 </a:solidFill>
@@ -16400,7 +16411,7 @@
                 <a:sym typeface="Calibri"/>
               </a:rPr>
             </a:br>
-            <a:endParaRPr lang="en-US" sz="3200" b="0" i="0" u="none" strike="noStrike" cap="none">
+            <a:endParaRPr lang="en-US" sz="3200" b="0" i="0" u="none" strike="noStrike" cap="none" dirty="0">
               <a:solidFill>
                 <a:srgbClr val="FF0000"/>
               </a:solidFill>
@@ -16463,14 +16474,30 @@
             <a:schemeClr val="lt2"/>
           </a:solidFill>
           <a:ln w="9525" cap="flat" cmpd="sng">
-            <a:solidFill>
-              <a:schemeClr val="dk2"/>
-            </a:solidFill>
+            <a:noFill/>
             <a:prstDash val="solid"/>
             <a:round/>
             <a:headEnd type="none" w="med" len="med"/>
             <a:tailEnd type="none" w="med" len="med"/>
           </a:ln>
+          <a:effectLst>
+            <a:outerShdw blurRad="44450" dist="27940" dir="5400000" algn="ctr">
+              <a:srgbClr val="000000">
+                <a:alpha val="32000"/>
+              </a:srgbClr>
+            </a:outerShdw>
+          </a:effectLst>
+          <a:scene3d>
+            <a:camera prst="orthographicFront">
+              <a:rot lat="0" lon="0" rev="0"/>
+            </a:camera>
+            <a:lightRig rig="balanced" dir="t">
+              <a:rot lat="0" lon="0" rev="8700000"/>
+            </a:lightRig>
+          </a:scene3d>
+          <a:sp3d>
+            <a:bevelT w="190500" h="38100"/>
+          </a:sp3d>
         </p:spPr>
         <p:txBody>
           <a:bodyPr wrap="square" lIns="91425" tIns="91425" rIns="91425" bIns="91425" anchor="ctr" anchorCtr="0">
@@ -16486,7 +16513,10 @@
               <a:buChar char="●"/>
             </a:pPr>
             <a:r>
-              <a:rPr lang="en-US" sz="1800"/>
+              <a:rPr lang="en-US" sz="1800" dirty="0">
+                <a:latin typeface="Calibri" panose="020F0502020204030204" pitchFamily="34" charset="0"/>
+                <a:cs typeface="Calibri" panose="020F0502020204030204" pitchFamily="34" charset="0"/>
+              </a:rPr>
               <a:t>Technology: </a:t>
             </a:r>
           </a:p>
@@ -16499,7 +16529,10 @@
               <a:buChar char="○"/>
             </a:pPr>
             <a:r>
-              <a:rPr lang="en-US" sz="1800"/>
+              <a:rPr lang="en-US" sz="1800" dirty="0">
+                <a:latin typeface="Calibri" panose="020F0502020204030204" pitchFamily="34" charset="0"/>
+                <a:cs typeface="Calibri" panose="020F0502020204030204" pitchFamily="34" charset="0"/>
+              </a:rPr>
               <a:t>Chatbot server: Api.ai</a:t>
             </a:r>
           </a:p>
@@ -16512,7 +16545,10 @@
               <a:buChar char="○"/>
             </a:pPr>
             <a:r>
-              <a:rPr lang="en-US" sz="1800"/>
+              <a:rPr lang="en-US" sz="1800" dirty="0">
+                <a:latin typeface="Calibri" panose="020F0502020204030204" pitchFamily="34" charset="0"/>
+                <a:cs typeface="Calibri" panose="020F0502020204030204" pitchFamily="34" charset="0"/>
+              </a:rPr>
               <a:t>User Interface: Facebook Messenger</a:t>
             </a:r>
           </a:p>
@@ -16525,7 +16561,10 @@
               <a:buChar char="●"/>
             </a:pPr>
             <a:r>
-              <a:rPr lang="en-US" sz="1800"/>
+              <a:rPr lang="en-US" sz="1800" dirty="0">
+                <a:latin typeface="Calibri" panose="020F0502020204030204" pitchFamily="34" charset="0"/>
+                <a:cs typeface="Calibri" panose="020F0502020204030204" pitchFamily="34" charset="0"/>
+              </a:rPr>
               <a:t>Intents:</a:t>
             </a:r>
           </a:p>
@@ -16538,7 +16577,10 @@
               <a:buChar char="○"/>
             </a:pPr>
             <a:r>
-              <a:rPr lang="en-US" sz="1800"/>
+              <a:rPr lang="en-US" sz="1800" dirty="0">
+                <a:latin typeface="Calibri" panose="020F0502020204030204" pitchFamily="34" charset="0"/>
+                <a:cs typeface="Calibri" panose="020F0502020204030204" pitchFamily="34" charset="0"/>
+              </a:rPr>
               <a:t>Mapping of requests vs agent response</a:t>
             </a:r>
           </a:p>
@@ -16649,6 +16691,24 @@
           <a:ln>
             <a:noFill/>
           </a:ln>
+          <a:effectLst>
+            <a:outerShdw blurRad="44450" dist="27940" dir="5400000" algn="ctr">
+              <a:srgbClr val="000000">
+                <a:alpha val="32000"/>
+              </a:srgbClr>
+            </a:outerShdw>
+          </a:effectLst>
+          <a:scene3d>
+            <a:camera prst="orthographicFront">
+              <a:rot lat="0" lon="0" rev="0"/>
+            </a:camera>
+            <a:lightRig rig="balanced" dir="t">
+              <a:rot lat="0" lon="0" rev="8700000"/>
+            </a:lightRig>
+          </a:scene3d>
+          <a:sp3d>
+            <a:bevelT w="190500" h="38100"/>
+          </a:sp3d>
         </p:spPr>
         <p:txBody>
           <a:bodyPr wrap="square" lIns="91425" tIns="45700" rIns="91425" bIns="45700" anchor="b" anchorCtr="0">
@@ -16671,7 +16731,7 @@
               <a:buNone/>
             </a:pPr>
             <a:r>
-              <a:rPr lang="en-US" sz="3200" b="0" i="0" u="none" strike="noStrike" cap="none">
+              <a:rPr lang="en-US" sz="3200" b="0" i="0" u="none" strike="noStrike" cap="none" dirty="0">
                 <a:solidFill>
                   <a:srgbClr val="FF0000"/>
                 </a:solidFill>
@@ -16683,7 +16743,7 @@
               <a:t>Front-end Implementation</a:t>
             </a:r>
             <a:br>
-              <a:rPr lang="en-US" sz="3200" b="0" i="0" u="none" strike="noStrike" cap="none">
+              <a:rPr lang="en-US" sz="3200" b="0" i="0" u="none" strike="noStrike" cap="none" dirty="0">
                 <a:solidFill>
                   <a:srgbClr val="FF0000"/>
                 </a:solidFill>
@@ -16693,7 +16753,7 @@
                 <a:sym typeface="Calibri"/>
               </a:rPr>
             </a:br>
-            <a:endParaRPr lang="en-US" sz="3200" b="0" i="0" u="none" strike="noStrike" cap="none">
+            <a:endParaRPr lang="en-US" sz="3200" b="0" i="0" u="none" strike="noStrike" cap="none" dirty="0">
               <a:solidFill>
                 <a:srgbClr val="FF0000"/>
               </a:solidFill>
@@ -16725,14 +16785,30 @@
             <a:schemeClr val="lt2"/>
           </a:solidFill>
           <a:ln w="9525" cap="flat" cmpd="sng">
-            <a:solidFill>
-              <a:schemeClr val="dk2"/>
-            </a:solidFill>
+            <a:noFill/>
             <a:prstDash val="solid"/>
             <a:round/>
             <a:headEnd type="none" w="med" len="med"/>
             <a:tailEnd type="none" w="med" len="med"/>
           </a:ln>
+          <a:effectLst>
+            <a:outerShdw blurRad="44450" dist="27940" dir="5400000" algn="ctr">
+              <a:srgbClr val="000000">
+                <a:alpha val="32000"/>
+              </a:srgbClr>
+            </a:outerShdw>
+          </a:effectLst>
+          <a:scene3d>
+            <a:camera prst="orthographicFront">
+              <a:rot lat="0" lon="0" rev="0"/>
+            </a:camera>
+            <a:lightRig rig="balanced" dir="t">
+              <a:rot lat="0" lon="0" rev="8700000"/>
+            </a:lightRig>
+          </a:scene3d>
+          <a:sp3d>
+            <a:bevelT w="190500" h="38100"/>
+          </a:sp3d>
         </p:spPr>
         <p:txBody>
           <a:bodyPr wrap="square" lIns="91425" tIns="91425" rIns="91425" bIns="91425" anchor="ctr" anchorCtr="0">
@@ -16748,8 +16824,8 @@
               <a:buChar char="●"/>
             </a:pPr>
             <a:r>
-              <a:rPr lang="en-US" sz="1800"/>
-              <a:t>Expressions: </a:t>
+              <a:rPr lang="en-US" sz="1800" dirty="0"/>
+              <a:t>Intents: </a:t>
             </a:r>
           </a:p>
           <a:p>
@@ -16759,7 +16835,7 @@
               </a:spcBef>
               <a:buNone/>
             </a:pPr>
-            <a:endParaRPr sz="1800"/>
+            <a:endParaRPr sz="1800" dirty="0"/>
           </a:p>
           <a:p>
             <a:pPr marL="0" lvl="0" indent="0" rtl="0">
@@ -16768,7 +16844,7 @@
               </a:spcBef>
               <a:buNone/>
             </a:pPr>
-            <a:endParaRPr sz="1800"/>
+            <a:endParaRPr sz="1800" dirty="0"/>
           </a:p>
           <a:p>
             <a:pPr marL="0" lvl="0" indent="0" rtl="0">
@@ -16777,7 +16853,7 @@
               </a:spcBef>
               <a:buNone/>
             </a:pPr>
-            <a:endParaRPr sz="1800"/>
+            <a:endParaRPr sz="1800" dirty="0"/>
           </a:p>
           <a:p>
             <a:pPr marL="0" lvl="0" indent="0" rtl="0">
@@ -16786,7 +16862,7 @@
               </a:spcBef>
               <a:buNone/>
             </a:pPr>
-            <a:endParaRPr sz="1800"/>
+            <a:endParaRPr sz="1800" dirty="0"/>
           </a:p>
           <a:p>
             <a:pPr marL="0" lvl="0" indent="0" rtl="0">
@@ -16795,7 +16871,7 @@
               </a:spcBef>
               <a:buNone/>
             </a:pPr>
-            <a:endParaRPr sz="1800"/>
+            <a:endParaRPr sz="1800" dirty="0"/>
           </a:p>
           <a:p>
             <a:pPr marL="0" lvl="0" indent="0" rtl="0">
@@ -16804,7 +16880,7 @@
               </a:spcBef>
               <a:buNone/>
             </a:pPr>
-            <a:endParaRPr sz="1800"/>
+            <a:endParaRPr sz="1800" dirty="0"/>
           </a:p>
           <a:p>
             <a:pPr marL="457200" lvl="0" indent="-342900" rtl="0">
@@ -16815,8 +16891,8 @@
               <a:buChar char="●"/>
             </a:pPr>
             <a:r>
-              <a:rPr lang="en-US" sz="1800"/>
-              <a:t>Parameters:</a:t>
+              <a:rPr lang="en-US" sz="1800" dirty="0"/>
+              <a:t>Entities:</a:t>
             </a:r>
           </a:p>
           <a:p>
@@ -16826,7 +16902,7 @@
               </a:spcBef>
               <a:buNone/>
             </a:pPr>
-            <a:endParaRPr sz="1800"/>
+            <a:endParaRPr sz="1800" dirty="0"/>
           </a:p>
           <a:p>
             <a:pPr marL="0" lvl="0" indent="0" rtl="0">
@@ -16835,7 +16911,7 @@
               </a:spcBef>
               <a:buNone/>
             </a:pPr>
-            <a:endParaRPr sz="1800"/>
+            <a:endParaRPr sz="1800" dirty="0"/>
           </a:p>
         </p:txBody>
       </p:sp>
@@ -16882,6 +16958,27 @@
           <a:prstGeom prst="rect">
             <a:avLst/>
           </a:prstGeom>
+          <a:ln>
+            <a:noFill/>
+          </a:ln>
+          <a:effectLst>
+            <a:outerShdw blurRad="44450" dist="27940" dir="5400000" algn="ctr">
+              <a:srgbClr val="000000">
+                <a:alpha val="32000"/>
+              </a:srgbClr>
+            </a:outerShdw>
+          </a:effectLst>
+          <a:scene3d>
+            <a:camera prst="orthographicFront">
+              <a:rot lat="0" lon="0" rev="0"/>
+            </a:camera>
+            <a:lightRig rig="balanced" dir="t">
+              <a:rot lat="0" lon="0" rev="8700000"/>
+            </a:lightRig>
+          </a:scene3d>
+          <a:sp3d>
+            <a:bevelT w="190500" h="38100"/>
+          </a:sp3d>
         </p:spPr>
         <p:txBody>
           <a:bodyPr wrap="square" lIns="121900" tIns="121900" rIns="121900" bIns="121900" anchor="t" anchorCtr="0">
@@ -16896,7 +16993,7 @@
               <a:buNone/>
             </a:pPr>
             <a:r>
-              <a:rPr lang="en-US"/>
+              <a:rPr lang="en-US" dirty="0"/>
               <a:t>Back-End Implementation</a:t>
             </a:r>
           </a:p>
@@ -16922,14 +17019,30 @@
             <a:schemeClr val="lt2"/>
           </a:solidFill>
           <a:ln w="9525" cap="flat" cmpd="sng">
-            <a:solidFill>
-              <a:schemeClr val="dk2"/>
-            </a:solidFill>
+            <a:noFill/>
             <a:prstDash val="solid"/>
             <a:round/>
             <a:headEnd type="none" w="med" len="med"/>
             <a:tailEnd type="none" w="med" len="med"/>
           </a:ln>
+          <a:effectLst>
+            <a:outerShdw blurRad="44450" dist="27940" dir="5400000" algn="ctr">
+              <a:srgbClr val="000000">
+                <a:alpha val="32000"/>
+              </a:srgbClr>
+            </a:outerShdw>
+          </a:effectLst>
+          <a:scene3d>
+            <a:camera prst="orthographicFront">
+              <a:rot lat="0" lon="0" rev="0"/>
+            </a:camera>
+            <a:lightRig rig="balanced" dir="t">
+              <a:rot lat="0" lon="0" rev="8700000"/>
+            </a:lightRig>
+          </a:scene3d>
+          <a:sp3d>
+            <a:bevelT w="190500" h="38100"/>
+          </a:sp3d>
         </p:spPr>
         <p:txBody>
           <a:bodyPr wrap="square" lIns="91425" tIns="91425" rIns="91425" bIns="91425" anchor="ctr" anchorCtr="0">
@@ -16943,7 +17056,10 @@
               </a:spcBef>
               <a:buNone/>
             </a:pPr>
-            <a:endParaRPr sz="1800"/>
+            <a:endParaRPr sz="1800" dirty="0">
+              <a:latin typeface="Calibri" panose="020F0502020204030204" pitchFamily="34" charset="0"/>
+              <a:cs typeface="Calibri" panose="020F0502020204030204" pitchFamily="34" charset="0"/>
+            </a:endParaRPr>
           </a:p>
           <a:p>
             <a:pPr marL="457200" lvl="0" indent="-342900" rtl="0">
@@ -16954,7 +17070,10 @@
               <a:buChar char="●"/>
             </a:pPr>
             <a:r>
-              <a:rPr lang="en-US" sz="1800"/>
+              <a:rPr lang="en-US" sz="1800" dirty="0">
+                <a:latin typeface="Calibri" panose="020F0502020204030204" pitchFamily="34" charset="0"/>
+                <a:cs typeface="Calibri" panose="020F0502020204030204" pitchFamily="34" charset="0"/>
+              </a:rPr>
               <a:t>Technology: </a:t>
             </a:r>
           </a:p>
@@ -16967,7 +17086,10 @@
               <a:buChar char="○"/>
             </a:pPr>
             <a:r>
-              <a:rPr lang="en-US" sz="1800"/>
+              <a:rPr lang="en-US" sz="1800" dirty="0">
+                <a:latin typeface="Calibri" panose="020F0502020204030204" pitchFamily="34" charset="0"/>
+                <a:cs typeface="Calibri" panose="020F0502020204030204" pitchFamily="34" charset="0"/>
+              </a:rPr>
               <a:t>Sails by Node.js</a:t>
             </a:r>
           </a:p>
@@ -16980,7 +17102,10 @@
               <a:buChar char="○"/>
             </a:pPr>
             <a:r>
-              <a:rPr lang="en-US" sz="1800"/>
+              <a:rPr lang="en-US" sz="1800" dirty="0">
+                <a:latin typeface="Calibri" panose="020F0502020204030204" pitchFamily="34" charset="0"/>
+                <a:cs typeface="Calibri" panose="020F0502020204030204" pitchFamily="34" charset="0"/>
+              </a:rPr>
               <a:t>MongoDB</a:t>
             </a:r>
           </a:p>
@@ -16993,7 +17118,10 @@
               <a:buChar char="○"/>
             </a:pPr>
             <a:r>
-              <a:rPr lang="en-US" sz="1800"/>
+              <a:rPr lang="en-US" sz="1800" dirty="0">
+                <a:latin typeface="Calibri" panose="020F0502020204030204" pitchFamily="34" charset="0"/>
+                <a:cs typeface="Calibri" panose="020F0502020204030204" pitchFamily="34" charset="0"/>
+              </a:rPr>
               <a:t>AWS</a:t>
             </a:r>
           </a:p>
@@ -17006,7 +17134,10 @@
               <a:buChar char="●"/>
             </a:pPr>
             <a:r>
-              <a:rPr lang="en-US" sz="1800"/>
+              <a:rPr lang="en-US" sz="1800" dirty="0">
+                <a:latin typeface="Calibri" panose="020F0502020204030204" pitchFamily="34" charset="0"/>
+                <a:cs typeface="Calibri" panose="020F0502020204030204" pitchFamily="34" charset="0"/>
+              </a:rPr>
               <a:t>Purpose: Service that provides relevant information for the Agent</a:t>
             </a:r>
           </a:p>
@@ -17017,7 +17148,10 @@
               </a:spcBef>
               <a:buNone/>
             </a:pPr>
-            <a:endParaRPr sz="1800"/>
+            <a:endParaRPr sz="1800" dirty="0">
+              <a:latin typeface="Calibri" panose="020F0502020204030204" pitchFamily="34" charset="0"/>
+              <a:cs typeface="Calibri" panose="020F0502020204030204" pitchFamily="34" charset="0"/>
+            </a:endParaRPr>
           </a:p>
           <a:p>
             <a:pPr marL="0" lvl="0" indent="0" rtl="0">
@@ -17026,7 +17160,10 @@
               </a:spcBef>
               <a:buNone/>
             </a:pPr>
-            <a:endParaRPr sz="1800"/>
+            <a:endParaRPr sz="1800" dirty="0">
+              <a:latin typeface="Calibri" panose="020F0502020204030204" pitchFamily="34" charset="0"/>
+              <a:cs typeface="Calibri" panose="020F0502020204030204" pitchFamily="34" charset="0"/>
+            </a:endParaRPr>
           </a:p>
         </p:txBody>
       </p:sp>
@@ -18050,6 +18187,71 @@
                 <a:cs typeface="Calibri" panose="020F0502020204030204" pitchFamily="34" charset="0"/>
               </a:rPr>
               <a:t>Response sent to the student</a:t>
+            </a:r>
+          </a:p>
+        </p:txBody>
+      </p:sp>
+      <p:sp>
+        <p:nvSpPr>
+          <p:cNvPr id="24" name="Shape 272">
+            <a:extLst>
+              <a:ext uri="{FF2B5EF4-FFF2-40B4-BE49-F238E27FC236}">
+                <a16:creationId xmlns:a16="http://schemas.microsoft.com/office/drawing/2014/main" id="{2385755B-56B1-4CD8-9490-4D6864099B71}"/>
+              </a:ext>
+            </a:extLst>
+          </p:cNvPr>
+          <p:cNvSpPr txBox="1">
+            <a:spLocks noGrp="1"/>
+          </p:cNvSpPr>
+          <p:nvPr>
+            <p:ph type="title"/>
+          </p:nvPr>
+        </p:nvSpPr>
+        <p:spPr>
+          <a:xfrm>
+            <a:off x="4380407" y="413167"/>
+            <a:ext cx="3153657" cy="1272900"/>
+          </a:xfrm>
+          <a:prstGeom prst="rect">
+            <a:avLst/>
+          </a:prstGeom>
+          <a:ln>
+            <a:noFill/>
+          </a:ln>
+          <a:effectLst>
+            <a:outerShdw blurRad="44450" dist="27940" dir="5400000" algn="ctr">
+              <a:srgbClr val="000000">
+                <a:alpha val="32000"/>
+              </a:srgbClr>
+            </a:outerShdw>
+          </a:effectLst>
+          <a:scene3d>
+            <a:camera prst="orthographicFront">
+              <a:rot lat="0" lon="0" rev="0"/>
+            </a:camera>
+            <a:lightRig rig="balanced" dir="t">
+              <a:rot lat="0" lon="0" rev="8700000"/>
+            </a:lightRig>
+          </a:scene3d>
+          <a:sp3d>
+            <a:bevelT w="190500" h="38100"/>
+          </a:sp3d>
+        </p:spPr>
+        <p:txBody>
+          <a:bodyPr wrap="square" lIns="121900" tIns="121900" rIns="121900" bIns="121900" anchor="t" anchorCtr="0">
+            <a:noAutofit/>
+          </a:bodyPr>
+          <a:lstStyle/>
+          <a:p>
+            <a:pPr lvl="0">
+              <a:spcBef>
+                <a:spcPts val="0"/>
+              </a:spcBef>
+              <a:buNone/>
+            </a:pPr>
+            <a:r>
+              <a:rPr lang="en-US" dirty="0"/>
+              <a:t>Architecture</a:t>
             </a:r>
           </a:p>
         </p:txBody>

--- a/comp9323-presentation.pptx
+++ b/comp9323-presentation.pptx
@@ -1476,7 +1476,7 @@
               <a:buNone/>
             </a:pPr>
             <a:r>
-              <a:rPr lang="en-US">
+              <a:rPr lang="en-US" dirty="0">
                 <a:solidFill>
                   <a:srgbClr val="00B0F0"/>
                 </a:solidFill>
@@ -1497,7 +1497,7 @@
               <a:buNone/>
             </a:pPr>
             <a:r>
-              <a:rPr lang="en-US">
+              <a:rPr lang="en-US" dirty="0">
                 <a:solidFill>
                   <a:srgbClr val="00B0F0"/>
                 </a:solidFill>
@@ -1518,12 +1518,28 @@
               <a:buNone/>
             </a:pPr>
             <a:r>
-              <a:rPr lang="en-US">
+              <a:rPr lang="en-US" dirty="0">
                 <a:solidFill>
                   <a:srgbClr val="00B0F0"/>
                 </a:solidFill>
               </a:rPr>
-              <a:t> 2- have no knowledge about unsw time table  / handbook</a:t>
+              <a:t> 2- have no knowledge about </a:t>
+            </a:r>
+            <a:r>
+              <a:rPr lang="en-US" dirty="0" err="1">
+                <a:solidFill>
+                  <a:srgbClr val="00B0F0"/>
+                </a:solidFill>
+              </a:rPr>
+              <a:t>unsw</a:t>
+            </a:r>
+            <a:r>
+              <a:rPr lang="en-US" dirty="0">
+                <a:solidFill>
+                  <a:srgbClr val="00B0F0"/>
+                </a:solidFill>
+              </a:rPr>
+              <a:t> time table  / handbook</a:t>
             </a:r>
           </a:p>
           <a:p>
@@ -1538,7 +1554,7 @@
               <a:buFont typeface="Calibri"/>
               <a:buNone/>
             </a:pPr>
-            <a:endParaRPr>
+            <a:endParaRPr dirty="0">
               <a:solidFill>
                 <a:srgbClr val="00B0F0"/>
               </a:solidFill>
@@ -1557,7 +1573,7 @@
               <a:buNone/>
             </a:pPr>
             <a:r>
-              <a:rPr lang="en-US">
+              <a:rPr lang="en-US" dirty="0">
                 <a:solidFill>
                   <a:srgbClr val="00B0F0"/>
                 </a:solidFill>
@@ -1578,7 +1594,7 @@
               <a:buNone/>
             </a:pPr>
             <a:r>
-              <a:rPr lang="en-US">
+              <a:rPr lang="en-US" dirty="0">
                 <a:solidFill>
                   <a:srgbClr val="00B0F0"/>
                 </a:solidFill>
@@ -1586,7 +1602,7 @@
               <a:t>1-</a:t>
             </a:r>
             <a:r>
-              <a:rPr lang="en-US"/>
+              <a:rPr lang="en-US" dirty="0"/>
               <a:t>The UNSW Handbook pages are difficult to navigate , </a:t>
             </a:r>
           </a:p>
@@ -1603,7 +1619,7 @@
               <a:buNone/>
             </a:pPr>
             <a:r>
-              <a:rPr lang="en-US"/>
+              <a:rPr lang="en-US" dirty="0"/>
               <a:t>2-The information provided is not visual enough and often quite confusing.</a:t>
             </a:r>
           </a:p>
@@ -1620,7 +1636,7 @@
               <a:buNone/>
             </a:pPr>
             <a:r>
-              <a:rPr lang="en-US"/>
+              <a:rPr lang="en-US" dirty="0"/>
               <a:t>3-The information in relation to a course spans across multiple pages.</a:t>
             </a:r>
           </a:p>
@@ -1636,7 +1652,7 @@
               <a:buFont typeface="Arial"/>
               <a:buNone/>
             </a:pPr>
-            <a:endParaRPr/>
+            <a:endParaRPr dirty="0"/>
           </a:p>
           <a:p>
             <a:pPr lvl="0">
@@ -1651,7 +1667,7 @@
               <a:buNone/>
             </a:pPr>
             <a:r>
-              <a:rPr lang="en-US">
+              <a:rPr lang="en-US" dirty="0">
                 <a:solidFill>
                   <a:srgbClr val="00B0F0"/>
                 </a:solidFill>
@@ -1672,7 +1688,7 @@
               <a:buNone/>
             </a:pPr>
             <a:r>
-              <a:rPr lang="en-US">
+              <a:rPr lang="en-US" dirty="0">
                 <a:solidFill>
                   <a:srgbClr val="00B0F0"/>
                 </a:solidFill>
@@ -1680,7 +1696,7 @@
               <a:t>1-</a:t>
             </a:r>
             <a:r>
-              <a:rPr lang="en-US"/>
+              <a:rPr lang="en-US" dirty="0"/>
               <a:t>The UNSW Handbook pages are difficult to navigate and often outdated</a:t>
             </a:r>
           </a:p>
@@ -1697,7 +1713,7 @@
               <a:buNone/>
             </a:pPr>
             <a:r>
-              <a:rPr lang="en-US"/>
+              <a:rPr lang="en-US" dirty="0"/>
               <a:t>2-Missing information in relation to a course difficulty.</a:t>
             </a:r>
           </a:p>
@@ -1714,7 +1730,7 @@
               <a:buNone/>
             </a:pPr>
             <a:r>
-              <a:rPr lang="en-US"/>
+              <a:rPr lang="en-US" dirty="0"/>
               <a:t>3-Missing the course outline information.</a:t>
             </a:r>
           </a:p>
@@ -1731,7 +1747,7 @@
               <a:buNone/>
             </a:pPr>
             <a:r>
-              <a:rPr lang="en-US"/>
+              <a:rPr lang="en-US" dirty="0"/>
               <a:t>4-Might contain incomplete/conflicting information with the faculty.</a:t>
             </a:r>
           </a:p>
@@ -1747,7 +1763,7 @@
               <a:buFont typeface="Arial"/>
               <a:buNone/>
             </a:pPr>
-            <a:endParaRPr/>
+            <a:endParaRPr dirty="0"/>
           </a:p>
           <a:p>
             <a:pPr lvl="0">
@@ -1762,7 +1778,7 @@
               <a:buNone/>
             </a:pPr>
             <a:r>
-              <a:rPr lang="en-US">
+              <a:rPr lang="en-US" dirty="0">
                 <a:solidFill>
                   <a:srgbClr val="00B0F0"/>
                 </a:solidFill>
@@ -1783,7 +1799,7 @@
               <a:buNone/>
             </a:pPr>
             <a:r>
-              <a:rPr lang="en-US">
+              <a:rPr lang="en-US" dirty="0">
                 <a:solidFill>
                   <a:srgbClr val="00B0F0"/>
                 </a:solidFill>
@@ -1791,7 +1807,7 @@
               <a:t>1-</a:t>
             </a:r>
             <a:r>
-              <a:rPr lang="en-US"/>
+              <a:rPr lang="en-US" dirty="0"/>
               <a:t>Difficult to understand the details regarding specializations.</a:t>
             </a:r>
           </a:p>
@@ -1808,7 +1824,7 @@
               <a:buNone/>
             </a:pPr>
             <a:r>
-              <a:rPr lang="en-US">
+              <a:rPr lang="en-US" dirty="0">
                 <a:solidFill>
                   <a:srgbClr val="00B0F0"/>
                 </a:solidFill>
@@ -1816,7 +1832,7 @@
               <a:t>2-</a:t>
             </a:r>
             <a:r>
-              <a:rPr lang="en-US"/>
+              <a:rPr lang="en-US" dirty="0"/>
               <a:t>Number of courses available during the semester for enrollment is huge, difficult to know each course requirements and description.</a:t>
             </a:r>
           </a:p>
@@ -1833,7 +1849,7 @@
               <a:buNone/>
             </a:pPr>
             <a:r>
-              <a:rPr lang="en-US">
+              <a:rPr lang="en-US" dirty="0">
                 <a:solidFill>
                   <a:srgbClr val="00B0F0"/>
                 </a:solidFill>
@@ -1841,7 +1857,7 @@
               <a:t>3-</a:t>
             </a:r>
             <a:r>
-              <a:rPr lang="en-US"/>
+              <a:rPr lang="en-US" dirty="0"/>
               <a:t>UNSW timetable shows courses for undergraduate, postgraduate and research and some</a:t>
             </a:r>
           </a:p>
@@ -1858,7 +1874,7 @@
               <a:buNone/>
             </a:pPr>
             <a:r>
-              <a:rPr lang="en-US">
+              <a:rPr lang="en-US" dirty="0">
                 <a:solidFill>
                   <a:srgbClr val="00B0F0"/>
                 </a:solidFill>
@@ -1866,7 +1882,7 @@
               <a:t>4-</a:t>
             </a:r>
             <a:r>
-              <a:rPr lang="en-US"/>
+              <a:rPr lang="en-US" dirty="0"/>
               <a:t>The course prerequisites/eligibility information is difficult to interpret.</a:t>
             </a:r>
           </a:p>
@@ -1877,7 +1893,7 @@
               </a:spcBef>
               <a:buNone/>
             </a:pPr>
-            <a:endParaRPr/>
+            <a:endParaRPr dirty="0"/>
           </a:p>
         </p:txBody>
       </p:sp>
@@ -15242,6 +15258,16 @@
   <p:clrMapOvr>
     <a:masterClrMapping/>
   </p:clrMapOvr>
+  <p:transition spd="slow">
+    <p:push dir="u"/>
+  </p:transition>
+  <p:timing>
+    <p:tnLst>
+      <p:par>
+        <p:cTn id="1" dur="indefinite" restart="never" nodeType="tmRoot"/>
+      </p:par>
+    </p:tnLst>
+  </p:timing>
 </p:sld>
 </file>
 
@@ -15442,6 +15468,16 @@
   <p:clrMapOvr>
     <a:masterClrMapping/>
   </p:clrMapOvr>
+  <p:transition spd="slow">
+    <p:push dir="u"/>
+  </p:transition>
+  <p:timing>
+    <p:tnLst>
+      <p:par>
+        <p:cTn id="1" dur="indefinite" restart="never" nodeType="tmRoot"/>
+      </p:par>
+    </p:tnLst>
+  </p:timing>
 </p:sld>
 </file>
 
@@ -15923,6 +15959,16 @@
   <p:clrMapOvr>
     <a:masterClrMapping/>
   </p:clrMapOvr>
+  <p:transition spd="slow">
+    <p:push dir="u"/>
+  </p:transition>
+  <p:timing>
+    <p:tnLst>
+      <p:par>
+        <p:cTn id="1" dur="indefinite" restart="never" nodeType="tmRoot"/>
+      </p:par>
+    </p:tnLst>
+  </p:timing>
 </p:sld>
 </file>
 
@@ -16307,6 +16353,16 @@
   <p:clrMapOvr>
     <a:masterClrMapping/>
   </p:clrMapOvr>
+  <p:transition spd="slow">
+    <p:push dir="u"/>
+  </p:transition>
+  <p:timing>
+    <p:tnLst>
+      <p:par>
+        <p:cTn id="1" dur="indefinite" restart="never" nodeType="tmRoot"/>
+      </p:par>
+    </p:tnLst>
+  </p:timing>
 </p:sld>
 </file>
 
@@ -16591,6 +16647,16 @@
   <p:clrMapOvr>
     <a:masterClrMapping/>
   </p:clrMapOvr>
+  <p:transition spd="slow">
+    <p:push dir="u"/>
+  </p:transition>
+  <p:timing>
+    <p:tnLst>
+      <p:par>
+        <p:cTn id="1" dur="indefinite" restart="never" nodeType="tmRoot"/>
+      </p:par>
+    </p:tnLst>
+  </p:timing>
 </p:sld>
 </file>
 
@@ -16920,6 +16986,16 @@
   <p:clrMapOvr>
     <a:masterClrMapping/>
   </p:clrMapOvr>
+  <p:transition spd="slow">
+    <p:push dir="u"/>
+  </p:transition>
+  <p:timing>
+    <p:tnLst>
+      <p:par>
+        <p:cTn id="1" dur="indefinite" restart="never" nodeType="tmRoot"/>
+      </p:par>
+    </p:tnLst>
+  </p:timing>
 </p:sld>
 </file>
 
@@ -17118,12 +17194,16 @@
               <a:buChar char="○"/>
             </a:pPr>
             <a:r>
-              <a:rPr lang="en-US" sz="1800" dirty="0">
+              <a:rPr lang="en-US" sz="1800" dirty="0" smtClean="0">
                 <a:latin typeface="Calibri" panose="020F0502020204030204" pitchFamily="34" charset="0"/>
                 <a:cs typeface="Calibri" panose="020F0502020204030204" pitchFamily="34" charset="0"/>
               </a:rPr>
               <a:t>AWS</a:t>
             </a:r>
+            <a:endParaRPr lang="en-US" sz="1800" dirty="0">
+              <a:latin typeface="Calibri" panose="020F0502020204030204" pitchFamily="34" charset="0"/>
+              <a:cs typeface="Calibri" panose="020F0502020204030204" pitchFamily="34" charset="0"/>
+            </a:endParaRPr>
           </a:p>
           <a:p>
             <a:pPr marL="457200" lvl="0" indent="-342900" rtl="0">
@@ -17138,17 +17218,39 @@
                 <a:latin typeface="Calibri" panose="020F0502020204030204" pitchFamily="34" charset="0"/>
                 <a:cs typeface="Calibri" panose="020F0502020204030204" pitchFamily="34" charset="0"/>
               </a:rPr>
-              <a:t>Purpose: Service that provides relevant information for the Agent</a:t>
+              <a:t>Purpose: Service that provides relevant information for the </a:t>
             </a:r>
-          </a:p>
-          <a:p>
-            <a:pPr marL="0" lvl="0" indent="0" rtl="0">
-              <a:spcBef>
-                <a:spcPts val="0"/>
-              </a:spcBef>
-              <a:buNone/>
-            </a:pPr>
-            <a:endParaRPr sz="1800" dirty="0">
+            <a:r>
+              <a:rPr lang="en-US" sz="1800" dirty="0" smtClean="0">
+                <a:latin typeface="Calibri" panose="020F0502020204030204" pitchFamily="34" charset="0"/>
+                <a:cs typeface="Calibri" panose="020F0502020204030204" pitchFamily="34" charset="0"/>
+              </a:rPr>
+              <a:t>Agent</a:t>
+            </a:r>
+          </a:p>
+          <a:p>
+            <a:pPr marL="457200" lvl="0" indent="-342900" rtl="0">
+              <a:spcBef>
+                <a:spcPts val="0"/>
+              </a:spcBef>
+              <a:buSzPct val="100000"/>
+              <a:buChar char="●"/>
+            </a:pPr>
+            <a:r>
+              <a:rPr lang="en-US" sz="1800" dirty="0" smtClean="0">
+                <a:latin typeface="Calibri" panose="020F0502020204030204" pitchFamily="34" charset="0"/>
+                <a:cs typeface="Calibri" panose="020F0502020204030204" pitchFamily="34" charset="0"/>
+              </a:rPr>
+              <a:t>Data: Web crawler </a:t>
+            </a:r>
+            <a:r>
+              <a:rPr lang="en-US" sz="1800" smtClean="0">
+                <a:latin typeface="Calibri" panose="020F0502020204030204" pitchFamily="34" charset="0"/>
+                <a:cs typeface="Calibri" panose="020F0502020204030204" pitchFamily="34" charset="0"/>
+              </a:rPr>
+              <a:t>to extract information</a:t>
+            </a:r>
+            <a:endParaRPr sz="1800" smtClean="0">
               <a:latin typeface="Calibri" panose="020F0502020204030204" pitchFamily="34" charset="0"/>
               <a:cs typeface="Calibri" panose="020F0502020204030204" pitchFamily="34" charset="0"/>
             </a:endParaRPr>
@@ -17172,6 +17274,16 @@
   <p:clrMapOvr>
     <a:masterClrMapping/>
   </p:clrMapOvr>
+  <p:transition spd="slow">
+    <p:push dir="u"/>
+  </p:transition>
+  <p:timing>
+    <p:tnLst>
+      <p:par>
+        <p:cTn id="1" dur="indefinite" restart="never" nodeType="tmRoot"/>
+      </p:par>
+    </p:tnLst>
+  </p:timing>
 </p:sld>
 </file>
 
@@ -17197,7 +17309,7 @@
           <p:cNvPr id="3" name="Picture 2">
             <a:extLst>
               <a:ext uri="{FF2B5EF4-FFF2-40B4-BE49-F238E27FC236}">
-                <a16:creationId xmlns:a16="http://schemas.microsoft.com/office/drawing/2014/main" id="{925BD36D-8588-4C76-8D64-513240649381}"/>
+                <a16:creationId xmlns:a16="http://schemas.microsoft.com/office/drawing/2014/main" xmlns="" id="{925BD36D-8588-4C76-8D64-513240649381}"/>
               </a:ext>
             </a:extLst>
           </p:cNvPr>
@@ -17227,7 +17339,7 @@
           <p:cNvPr id="11" name="Picture 10">
             <a:extLst>
               <a:ext uri="{FF2B5EF4-FFF2-40B4-BE49-F238E27FC236}">
-                <a16:creationId xmlns:a16="http://schemas.microsoft.com/office/drawing/2014/main" id="{21F664CB-FBD8-4185-9D82-3998D6FD79F4}"/>
+                <a16:creationId xmlns:a16="http://schemas.microsoft.com/office/drawing/2014/main" xmlns="" id="{21F664CB-FBD8-4185-9D82-3998D6FD79F4}"/>
               </a:ext>
             </a:extLst>
           </p:cNvPr>
@@ -17257,7 +17369,7 @@
           <p:cNvPr id="15" name="Picture 14">
             <a:extLst>
               <a:ext uri="{FF2B5EF4-FFF2-40B4-BE49-F238E27FC236}">
-                <a16:creationId xmlns:a16="http://schemas.microsoft.com/office/drawing/2014/main" id="{BE9937CB-5D51-4C5F-B126-40CD6020CE8D}"/>
+                <a16:creationId xmlns:a16="http://schemas.microsoft.com/office/drawing/2014/main" xmlns="" id="{BE9937CB-5D51-4C5F-B126-40CD6020CE8D}"/>
               </a:ext>
             </a:extLst>
           </p:cNvPr>
@@ -17287,7 +17399,7 @@
           <p:cNvPr id="19" name="Picture 18">
             <a:extLst>
               <a:ext uri="{FF2B5EF4-FFF2-40B4-BE49-F238E27FC236}">
-                <a16:creationId xmlns:a16="http://schemas.microsoft.com/office/drawing/2014/main" id="{8A1BDA48-DAC3-4776-8500-4E932A3179DC}"/>
+                <a16:creationId xmlns:a16="http://schemas.microsoft.com/office/drawing/2014/main" xmlns="" id="{8A1BDA48-DAC3-4776-8500-4E932A3179DC}"/>
               </a:ext>
             </a:extLst>
           </p:cNvPr>
@@ -17317,7 +17429,7 @@
           <p:cNvPr id="21" name="Connector: Curved 20">
             <a:extLst>
               <a:ext uri="{FF2B5EF4-FFF2-40B4-BE49-F238E27FC236}">
-                <a16:creationId xmlns:a16="http://schemas.microsoft.com/office/drawing/2014/main" id="{2FC5B3C7-A438-414B-B079-F2F14B5B8D76}"/>
+                <a16:creationId xmlns:a16="http://schemas.microsoft.com/office/drawing/2014/main" xmlns="" id="{2FC5B3C7-A438-414B-B079-F2F14B5B8D76}"/>
               </a:ext>
             </a:extLst>
           </p:cNvPr>
@@ -17361,7 +17473,7 @@
           <p:cNvPr id="23" name="Connector: Curved 22">
             <a:extLst>
               <a:ext uri="{FF2B5EF4-FFF2-40B4-BE49-F238E27FC236}">
-                <a16:creationId xmlns:a16="http://schemas.microsoft.com/office/drawing/2014/main" id="{393A4730-35FA-4832-BA50-734C1B438D8B}"/>
+                <a16:creationId xmlns:a16="http://schemas.microsoft.com/office/drawing/2014/main" xmlns="" id="{393A4730-35FA-4832-BA50-734C1B438D8B}"/>
               </a:ext>
             </a:extLst>
           </p:cNvPr>
@@ -17405,7 +17517,7 @@
           <p:cNvPr id="25" name="Connector: Curved 24">
             <a:extLst>
               <a:ext uri="{FF2B5EF4-FFF2-40B4-BE49-F238E27FC236}">
-                <a16:creationId xmlns:a16="http://schemas.microsoft.com/office/drawing/2014/main" id="{7DA0DC4F-C4EA-412A-8611-D34FB71CD1C4}"/>
+                <a16:creationId xmlns:a16="http://schemas.microsoft.com/office/drawing/2014/main" xmlns="" id="{7DA0DC4F-C4EA-412A-8611-D34FB71CD1C4}"/>
               </a:ext>
             </a:extLst>
           </p:cNvPr>
@@ -17449,7 +17561,7 @@
           <p:cNvPr id="26" name="TextBox 25">
             <a:extLst>
               <a:ext uri="{FF2B5EF4-FFF2-40B4-BE49-F238E27FC236}">
-                <a16:creationId xmlns:a16="http://schemas.microsoft.com/office/drawing/2014/main" id="{79F6FC67-70BD-4246-874E-CDC812D08BED}"/>
+                <a16:creationId xmlns:a16="http://schemas.microsoft.com/office/drawing/2014/main" xmlns="" id="{79F6FC67-70BD-4246-874E-CDC812D08BED}"/>
               </a:ext>
             </a:extLst>
           </p:cNvPr>
@@ -17487,7 +17599,7 @@
           <p:cNvPr id="29" name="TextBox 28">
             <a:extLst>
               <a:ext uri="{FF2B5EF4-FFF2-40B4-BE49-F238E27FC236}">
-                <a16:creationId xmlns:a16="http://schemas.microsoft.com/office/drawing/2014/main" id="{7D8C648D-A1CC-4174-8C79-17A413F77EEE}"/>
+                <a16:creationId xmlns:a16="http://schemas.microsoft.com/office/drawing/2014/main" xmlns="" id="{7D8C648D-A1CC-4174-8C79-17A413F77EEE}"/>
               </a:ext>
             </a:extLst>
           </p:cNvPr>
@@ -17525,7 +17637,7 @@
           <p:cNvPr id="30" name="TextBox 29">
             <a:extLst>
               <a:ext uri="{FF2B5EF4-FFF2-40B4-BE49-F238E27FC236}">
-                <a16:creationId xmlns:a16="http://schemas.microsoft.com/office/drawing/2014/main" id="{E16F2879-E736-406F-8BA5-0AE0581B9EE7}"/>
+                <a16:creationId xmlns:a16="http://schemas.microsoft.com/office/drawing/2014/main" xmlns="" id="{E16F2879-E736-406F-8BA5-0AE0581B9EE7}"/>
               </a:ext>
             </a:extLst>
           </p:cNvPr>
@@ -17563,7 +17675,7 @@
           <p:cNvPr id="31" name="TextBox 30">
             <a:extLst>
               <a:ext uri="{FF2B5EF4-FFF2-40B4-BE49-F238E27FC236}">
-                <a16:creationId xmlns:a16="http://schemas.microsoft.com/office/drawing/2014/main" id="{E368AE6E-7767-4EF2-9278-7D634F5BAEF5}"/>
+                <a16:creationId xmlns:a16="http://schemas.microsoft.com/office/drawing/2014/main" xmlns="" id="{E368AE6E-7767-4EF2-9278-7D634F5BAEF5}"/>
               </a:ext>
             </a:extLst>
           </p:cNvPr>
@@ -17601,7 +17713,7 @@
           <p:cNvPr id="27" name="TextBox 26">
             <a:extLst>
               <a:ext uri="{FF2B5EF4-FFF2-40B4-BE49-F238E27FC236}">
-                <a16:creationId xmlns:a16="http://schemas.microsoft.com/office/drawing/2014/main" id="{2C052569-322D-410A-AD0D-85AC1BE9A8E4}"/>
+                <a16:creationId xmlns:a16="http://schemas.microsoft.com/office/drawing/2014/main" xmlns="" id="{2C052569-322D-410A-AD0D-85AC1BE9A8E4}"/>
               </a:ext>
             </a:extLst>
           </p:cNvPr>
@@ -17648,7 +17760,7 @@
           <p:cNvPr id="28" name="TextBox 27">
             <a:extLst>
               <a:ext uri="{FF2B5EF4-FFF2-40B4-BE49-F238E27FC236}">
-                <a16:creationId xmlns:a16="http://schemas.microsoft.com/office/drawing/2014/main" id="{1F8B5744-43CC-4D95-AFAC-D062E7BEF07E}"/>
+                <a16:creationId xmlns:a16="http://schemas.microsoft.com/office/drawing/2014/main" xmlns="" id="{1F8B5744-43CC-4D95-AFAC-D062E7BEF07E}"/>
               </a:ext>
             </a:extLst>
           </p:cNvPr>
@@ -17715,7 +17827,7 @@
           <p:cNvPr id="256" name="TextBox 255">
             <a:extLst>
               <a:ext uri="{FF2B5EF4-FFF2-40B4-BE49-F238E27FC236}">
-                <a16:creationId xmlns:a16="http://schemas.microsoft.com/office/drawing/2014/main" id="{908D6DB3-CFCC-4949-9690-D0913CE68812}"/>
+                <a16:creationId xmlns:a16="http://schemas.microsoft.com/office/drawing/2014/main" xmlns="" id="{908D6DB3-CFCC-4949-9690-D0913CE68812}"/>
               </a:ext>
             </a:extLst>
           </p:cNvPr>
@@ -17769,7 +17881,7 @@
           <p:cNvPr id="258" name="Connector: Curved 257">
             <a:extLst>
               <a:ext uri="{FF2B5EF4-FFF2-40B4-BE49-F238E27FC236}">
-                <a16:creationId xmlns:a16="http://schemas.microsoft.com/office/drawing/2014/main" id="{9422E1EB-925D-41C9-A752-28345953495F}"/>
+                <a16:creationId xmlns:a16="http://schemas.microsoft.com/office/drawing/2014/main" xmlns="" id="{9422E1EB-925D-41C9-A752-28345953495F}"/>
               </a:ext>
             </a:extLst>
           </p:cNvPr>
@@ -17813,7 +17925,7 @@
           <p:cNvPr id="260" name="Connector: Curved 259">
             <a:extLst>
               <a:ext uri="{FF2B5EF4-FFF2-40B4-BE49-F238E27FC236}">
-                <a16:creationId xmlns:a16="http://schemas.microsoft.com/office/drawing/2014/main" id="{B5853203-A161-4C9F-B057-602AF00412FB}"/>
+                <a16:creationId xmlns:a16="http://schemas.microsoft.com/office/drawing/2014/main" xmlns="" id="{B5853203-A161-4C9F-B057-602AF00412FB}"/>
               </a:ext>
             </a:extLst>
           </p:cNvPr>
@@ -17857,7 +17969,7 @@
           <p:cNvPr id="262" name="Connector: Curved 261">
             <a:extLst>
               <a:ext uri="{FF2B5EF4-FFF2-40B4-BE49-F238E27FC236}">
-                <a16:creationId xmlns:a16="http://schemas.microsoft.com/office/drawing/2014/main" id="{4E84E900-4FE9-4E7E-884A-37E7974E5456}"/>
+                <a16:creationId xmlns:a16="http://schemas.microsoft.com/office/drawing/2014/main" xmlns="" id="{4E84E900-4FE9-4E7E-884A-37E7974E5456}"/>
               </a:ext>
             </a:extLst>
           </p:cNvPr>
@@ -17901,7 +18013,7 @@
           <p:cNvPr id="263" name="TextBox 262">
             <a:extLst>
               <a:ext uri="{FF2B5EF4-FFF2-40B4-BE49-F238E27FC236}">
-                <a16:creationId xmlns:a16="http://schemas.microsoft.com/office/drawing/2014/main" id="{B903EB83-138D-43C5-B3F3-024A43592B6E}"/>
+                <a16:creationId xmlns:a16="http://schemas.microsoft.com/office/drawing/2014/main" xmlns="" id="{B903EB83-138D-43C5-B3F3-024A43592B6E}"/>
               </a:ext>
             </a:extLst>
           </p:cNvPr>
@@ -17999,7 +18111,7 @@
           <p:cNvPr id="264" name="TextBox 263">
             <a:extLst>
               <a:ext uri="{FF2B5EF4-FFF2-40B4-BE49-F238E27FC236}">
-                <a16:creationId xmlns:a16="http://schemas.microsoft.com/office/drawing/2014/main" id="{A79BB224-0C75-412E-A978-52C1FF3A7760}"/>
+                <a16:creationId xmlns:a16="http://schemas.microsoft.com/office/drawing/2014/main" xmlns="" id="{A79BB224-0C75-412E-A978-52C1FF3A7760}"/>
               </a:ext>
             </a:extLst>
           </p:cNvPr>
@@ -18128,7 +18240,7 @@
           <p:cNvPr id="268" name="Picture 267">
             <a:extLst>
               <a:ext uri="{FF2B5EF4-FFF2-40B4-BE49-F238E27FC236}">
-                <a16:creationId xmlns:a16="http://schemas.microsoft.com/office/drawing/2014/main" id="{95E86B1C-876B-4150-8C1A-5386214B18E7}"/>
+                <a16:creationId xmlns:a16="http://schemas.microsoft.com/office/drawing/2014/main" xmlns="" id="{95E86B1C-876B-4150-8C1A-5386214B18E7}"/>
               </a:ext>
             </a:extLst>
           </p:cNvPr>
@@ -18158,7 +18270,7 @@
           <p:cNvPr id="269" name="TextBox 268">
             <a:extLst>
               <a:ext uri="{FF2B5EF4-FFF2-40B4-BE49-F238E27FC236}">
-                <a16:creationId xmlns:a16="http://schemas.microsoft.com/office/drawing/2014/main" id="{F0E1AC7A-85C1-4C85-A254-99304C523DAF}"/>
+                <a16:creationId xmlns:a16="http://schemas.microsoft.com/office/drawing/2014/main" xmlns="" id="{F0E1AC7A-85C1-4C85-A254-99304C523DAF}"/>
               </a:ext>
             </a:extLst>
           </p:cNvPr>
@@ -18196,7 +18308,7 @@
           <p:cNvPr id="24" name="Shape 272">
             <a:extLst>
               <a:ext uri="{FF2B5EF4-FFF2-40B4-BE49-F238E27FC236}">
-                <a16:creationId xmlns:a16="http://schemas.microsoft.com/office/drawing/2014/main" id="{2385755B-56B1-4CD8-9490-4D6864099B71}"/>
+                <a16:creationId xmlns:a16="http://schemas.microsoft.com/office/drawing/2014/main" xmlns="" id="{2385755B-56B1-4CD8-9490-4D6864099B71}"/>
               </a:ext>
             </a:extLst>
           </p:cNvPr>
@@ -18266,6 +18378,9 @@
   <p:clrMapOvr>
     <a:masterClrMapping/>
   </p:clrMapOvr>
+  <p:transition spd="slow">
+    <p:push dir="u"/>
+  </p:transition>
   <p:timing>
     <p:tnLst>
       <p:par>

--- a/comp9323-presentation.pptx
+++ b/comp9323-presentation.pptx
@@ -5,7 +5,7 @@
     <p:sldMasterId id="2147483666" r:id="rId1"/>
   </p:sldMasterIdLst>
   <p:notesMasterIdLst>
-    <p:notesMasterId r:id="rId10"/>
+    <p:notesMasterId r:id="rId11"/>
   </p:notesMasterIdLst>
   <p:sldIdLst>
     <p:sldId id="256" r:id="rId2"/>
@@ -16,6 +16,7 @@
     <p:sldId id="261" r:id="rId7"/>
     <p:sldId id="262" r:id="rId8"/>
     <p:sldId id="264" r:id="rId9"/>
+    <p:sldId id="266" r:id="rId10"/>
   </p:sldIdLst>
   <p:sldSz cx="12192000" cy="6858000"/>
   <p:notesSz cx="6858000" cy="9144000"/>
@@ -16056,8 +16057,8 @@
         </p:nvSpPr>
         <p:spPr>
           <a:xfrm>
-            <a:off x="1092200" y="1785350"/>
-            <a:ext cx="10007700" cy="4126800"/>
+            <a:off x="1092200" y="1537855"/>
+            <a:ext cx="10007700" cy="4374295"/>
           </a:xfrm>
           <a:prstGeom prst="roundRect">
             <a:avLst>
@@ -16319,7 +16320,19 @@
                 <a:cs typeface="Calibri"/>
                 <a:sym typeface="Calibri"/>
               </a:rPr>
-              <a:t>Interactive and Simple solution </a:t>
+              <a:t>Interactive and </a:t>
+            </a:r>
+            <a:r>
+              <a:rPr lang="en-US" sz="1700" dirty="0" smtClean="0">
+                <a:solidFill>
+                  <a:schemeClr val="dk2"/>
+                </a:solidFill>
+                <a:latin typeface="Calibri"/>
+                <a:ea typeface="Calibri"/>
+                <a:cs typeface="Calibri"/>
+                <a:sym typeface="Calibri"/>
+              </a:rPr>
+              <a:t>Automated solution </a:t>
             </a:r>
             <a:r>
               <a:rPr lang="en-US" sz="1700" dirty="0" err="1">
@@ -16577,10 +16590,7 @@
             </a:r>
           </a:p>
           <a:p>
-            <a:pPr marL="914400" lvl="1" indent="-342900" rtl="0">
-              <a:spcBef>
-                <a:spcPts val="0"/>
-              </a:spcBef>
+            <a:pPr marL="914400" lvl="1" indent="-342900">
               <a:buSzPct val="100000"/>
               <a:buChar char="○"/>
             </a:pPr>
@@ -16589,8 +16599,54 @@
                 <a:latin typeface="Calibri" panose="020F0502020204030204" pitchFamily="34" charset="0"/>
                 <a:cs typeface="Calibri" panose="020F0502020204030204" pitchFamily="34" charset="0"/>
               </a:rPr>
-              <a:t>Chatbot server: Api.ai</a:t>
+              <a:t>Chatbot server: </a:t>
             </a:r>
+            <a:r>
+              <a:rPr lang="en-US" sz="1800" dirty="0" err="1" smtClean="0">
+                <a:latin typeface="Calibri" panose="020F0502020204030204" pitchFamily="34" charset="0"/>
+                <a:cs typeface="Calibri" panose="020F0502020204030204" pitchFamily="34" charset="0"/>
+              </a:rPr>
+              <a:t>Api.ai</a:t>
+            </a:r>
+            <a:r>
+              <a:rPr lang="en-US" sz="1800" dirty="0" smtClean="0">
+                <a:latin typeface="Calibri" panose="020F0502020204030204" pitchFamily="34" charset="0"/>
+                <a:cs typeface="Calibri" panose="020F0502020204030204" pitchFamily="34" charset="0"/>
+              </a:rPr>
+              <a:t> </a:t>
+            </a:r>
+            <a:r>
+              <a:rPr lang="en-US" sz="1800" i="1" dirty="0" smtClean="0">
+                <a:latin typeface="Calibri" panose="020F0502020204030204" pitchFamily="34" charset="0"/>
+                <a:cs typeface="Calibri" panose="020F0502020204030204" pitchFamily="34" charset="0"/>
+              </a:rPr>
+              <a:t>https</a:t>
+            </a:r>
+            <a:r>
+              <a:rPr lang="en-US" sz="1800" i="1" dirty="0">
+                <a:latin typeface="Calibri" panose="020F0502020204030204" pitchFamily="34" charset="0"/>
+                <a:cs typeface="Calibri" panose="020F0502020204030204" pitchFamily="34" charset="0"/>
+              </a:rPr>
+              <a:t>://</a:t>
+            </a:r>
+            <a:r>
+              <a:rPr lang="en-US" sz="1800" i="1" dirty="0" err="1">
+                <a:latin typeface="Calibri" panose="020F0502020204030204" pitchFamily="34" charset="0"/>
+                <a:cs typeface="Calibri" panose="020F0502020204030204" pitchFamily="34" charset="0"/>
+              </a:rPr>
+              <a:t>api.ai</a:t>
+            </a:r>
+            <a:r>
+              <a:rPr lang="en-US" sz="1800" i="1" dirty="0">
+                <a:latin typeface="Calibri" panose="020F0502020204030204" pitchFamily="34" charset="0"/>
+                <a:cs typeface="Calibri" panose="020F0502020204030204" pitchFamily="34" charset="0"/>
+              </a:rPr>
+              <a:t>/</a:t>
+            </a:r>
+            <a:endParaRPr lang="en-US" sz="1800" i="1" dirty="0">
+              <a:latin typeface="Calibri" panose="020F0502020204030204" pitchFamily="34" charset="0"/>
+              <a:cs typeface="Calibri" panose="020F0502020204030204" pitchFamily="34" charset="0"/>
+            </a:endParaRPr>
           </a:p>
           <a:p>
             <a:pPr marL="914400" lvl="1" indent="-342900" rtl="0">
@@ -16605,8 +16661,46 @@
                 <a:latin typeface="Calibri" panose="020F0502020204030204" pitchFamily="34" charset="0"/>
                 <a:cs typeface="Calibri" panose="020F0502020204030204" pitchFamily="34" charset="0"/>
               </a:rPr>
-              <a:t>User Interface: Facebook Messenger</a:t>
+              <a:t>User Interface: Facebook </a:t>
             </a:r>
+            <a:r>
+              <a:rPr lang="en-US" sz="1800" dirty="0" smtClean="0">
+                <a:latin typeface="Calibri" panose="020F0502020204030204" pitchFamily="34" charset="0"/>
+                <a:cs typeface="Calibri" panose="020F0502020204030204" pitchFamily="34" charset="0"/>
+              </a:rPr>
+              <a:t>Messenger</a:t>
+            </a:r>
+          </a:p>
+          <a:p>
+            <a:pPr marL="914400" lvl="1" indent="-342900">
+              <a:buSzPct val="100000"/>
+              <a:buChar char="○"/>
+            </a:pPr>
+            <a:r>
+              <a:rPr lang="en-US" sz="1800" i="1" dirty="0">
+                <a:latin typeface="Calibri" panose="020F0502020204030204" pitchFamily="34" charset="0"/>
+                <a:cs typeface="Calibri" panose="020F0502020204030204" pitchFamily="34" charset="0"/>
+              </a:rPr>
+              <a:t>https://</a:t>
+            </a:r>
+            <a:r>
+              <a:rPr lang="en-US" sz="1800" i="1" dirty="0" err="1">
+                <a:latin typeface="Calibri" panose="020F0502020204030204" pitchFamily="34" charset="0"/>
+                <a:cs typeface="Calibri" panose="020F0502020204030204" pitchFamily="34" charset="0"/>
+              </a:rPr>
+              <a:t>developers.facebook.com</a:t>
+            </a:r>
+            <a:r>
+              <a:rPr lang="en-US" sz="1800" i="1" dirty="0">
+                <a:latin typeface="Calibri" panose="020F0502020204030204" pitchFamily="34" charset="0"/>
+                <a:cs typeface="Calibri" panose="020F0502020204030204" pitchFamily="34" charset="0"/>
+              </a:rPr>
+              <a:t>/docs/messenger-platform/send-messages/template/generic/</a:t>
+            </a:r>
+            <a:endParaRPr lang="en-US" sz="1800" i="1" dirty="0">
+              <a:latin typeface="Calibri" panose="020F0502020204030204" pitchFamily="34" charset="0"/>
+              <a:cs typeface="Calibri" panose="020F0502020204030204" pitchFamily="34" charset="0"/>
+            </a:endParaRPr>
           </a:p>
           <a:p>
             <a:pPr marL="457200" lvl="0" indent="-342900" rtl="0">
@@ -16637,8 +16731,35 @@
                 <a:latin typeface="Calibri" panose="020F0502020204030204" pitchFamily="34" charset="0"/>
                 <a:cs typeface="Calibri" panose="020F0502020204030204" pitchFamily="34" charset="0"/>
               </a:rPr>
-              <a:t>Mapping of requests vs agent response</a:t>
+              <a:t>Mapping of requests vs agent </a:t>
             </a:r>
+            <a:r>
+              <a:rPr lang="en-US" sz="1800" dirty="0" smtClean="0">
+                <a:latin typeface="Calibri" panose="020F0502020204030204" pitchFamily="34" charset="0"/>
+                <a:cs typeface="Calibri" panose="020F0502020204030204" pitchFamily="34" charset="0"/>
+              </a:rPr>
+              <a:t>response</a:t>
+            </a:r>
+          </a:p>
+          <a:p>
+            <a:pPr marL="914400" lvl="1" indent="-342900" rtl="0">
+              <a:spcBef>
+                <a:spcPts val="0"/>
+              </a:spcBef>
+              <a:buSzPct val="100000"/>
+              <a:buChar char="○"/>
+            </a:pPr>
+            <a:r>
+              <a:rPr lang="en-US" sz="1800" dirty="0" smtClean="0">
+                <a:latin typeface="Calibri" panose="020F0502020204030204" pitchFamily="34" charset="0"/>
+                <a:cs typeface="Calibri" panose="020F0502020204030204" pitchFamily="34" charset="0"/>
+              </a:rPr>
+              <a:t>Use case categories</a:t>
+            </a:r>
+            <a:endParaRPr lang="en-US" sz="1800" dirty="0">
+              <a:latin typeface="Calibri" panose="020F0502020204030204" pitchFamily="34" charset="0"/>
+              <a:cs typeface="Calibri" panose="020F0502020204030204" pitchFamily="34" charset="0"/>
+            </a:endParaRPr>
           </a:p>
         </p:txBody>
       </p:sp>
@@ -17241,16 +17362,9 @@
                 <a:latin typeface="Calibri" panose="020F0502020204030204" pitchFamily="34" charset="0"/>
                 <a:cs typeface="Calibri" panose="020F0502020204030204" pitchFamily="34" charset="0"/>
               </a:rPr>
-              <a:t>Data: Web crawler </a:t>
+              <a:t>Data: Web crawler to extract information in JS</a:t>
             </a:r>
-            <a:r>
-              <a:rPr lang="en-US" sz="1800" smtClean="0">
-                <a:latin typeface="Calibri" panose="020F0502020204030204" pitchFamily="34" charset="0"/>
-                <a:cs typeface="Calibri" panose="020F0502020204030204" pitchFamily="34" charset="0"/>
-              </a:rPr>
-              <a:t>to extract information</a:t>
-            </a:r>
-            <a:endParaRPr sz="1800" smtClean="0">
+            <a:endParaRPr sz="1800" dirty="0" smtClean="0">
               <a:latin typeface="Calibri" panose="020F0502020204030204" pitchFamily="34" charset="0"/>
               <a:cs typeface="Calibri" panose="020F0502020204030204" pitchFamily="34" charset="0"/>
             </a:endParaRPr>
@@ -18985,6 +19099,66 @@
 </p:sld>
 </file>
 
+<file path=ppt/slides/slide9.xml><?xml version="1.0" encoding="utf-8"?>
+<p:sld xmlns:a="http://schemas.openxmlformats.org/drawingml/2006/main" xmlns:r="http://schemas.openxmlformats.org/officeDocument/2006/relationships" xmlns:p="http://schemas.openxmlformats.org/presentationml/2006/main">
+  <p:cSld>
+    <p:spTree>
+      <p:nvGrpSpPr>
+        <p:cNvPr id="1" name=""/>
+        <p:cNvGrpSpPr/>
+        <p:nvPr/>
+      </p:nvGrpSpPr>
+      <p:grpSpPr>
+        <a:xfrm>
+          <a:off x="0" y="0"/>
+          <a:ext cx="0" cy="0"/>
+          <a:chOff x="0" y="0"/>
+          <a:chExt cx="0" cy="0"/>
+        </a:xfrm>
+      </p:grpSpPr>
+      <p:sp>
+        <p:nvSpPr>
+          <p:cNvPr id="2" name="Title 1"/>
+          <p:cNvSpPr>
+            <a:spLocks noGrp="1"/>
+          </p:cNvSpPr>
+          <p:nvPr>
+            <p:ph type="ctrTitle"/>
+          </p:nvPr>
+        </p:nvSpPr>
+        <p:spPr/>
+        <p:txBody>
+          <a:bodyPr/>
+          <a:lstStyle/>
+          <a:p>
+            <a:r>
+              <a:rPr lang="en-US" dirty="0" smtClean="0"/>
+              <a:t>Demo</a:t>
+            </a:r>
+            <a:endParaRPr lang="en-US" dirty="0"/>
+          </a:p>
+        </p:txBody>
+      </p:sp>
+    </p:spTree>
+    <p:extLst>
+      <p:ext uri="{BB962C8B-B14F-4D97-AF65-F5344CB8AC3E}">
+        <p14:creationId xmlns:p14="http://schemas.microsoft.com/office/powerpoint/2010/main" val="696240109"/>
+      </p:ext>
+    </p:extLst>
+  </p:cSld>
+  <p:clrMapOvr>
+    <a:masterClrMapping/>
+  </p:clrMapOvr>
+  <p:timing>
+    <p:tnLst>
+      <p:par>
+        <p:cTn id="1" dur="indefinite" restart="never" nodeType="tmRoot"/>
+      </p:par>
+    </p:tnLst>
+  </p:timing>
+</p:sld>
+</file>
+
 <file path=ppt/theme/theme1.xml><?xml version="1.0" encoding="utf-8"?>
 <a:theme xmlns:a="http://schemas.openxmlformats.org/drawingml/2006/main" name="Shift">
   <a:themeElements>
